--- a/Analysis_Presentation.pptx
+++ b/Analysis_Presentation.pptx
@@ -9,19 +9,23 @@
     <p:sldId id="257" r:id="rId3"/>
     <p:sldId id="258" r:id="rId4"/>
     <p:sldId id="259" r:id="rId5"/>
-    <p:sldId id="260" r:id="rId6"/>
-    <p:sldId id="261" r:id="rId7"/>
-    <p:sldId id="262" r:id="rId8"/>
-    <p:sldId id="263" r:id="rId9"/>
-    <p:sldId id="264" r:id="rId10"/>
-    <p:sldId id="265" r:id="rId11"/>
-    <p:sldId id="266" r:id="rId12"/>
-    <p:sldId id="267" r:id="rId13"/>
-    <p:sldId id="268" r:id="rId14"/>
-    <p:sldId id="269" r:id="rId15"/>
-    <p:sldId id="270" r:id="rId16"/>
-    <p:sldId id="271" r:id="rId17"/>
-    <p:sldId id="272" r:id="rId18"/>
+    <p:sldId id="261" r:id="rId6"/>
+    <p:sldId id="260" r:id="rId7"/>
+    <p:sldId id="273" r:id="rId8"/>
+    <p:sldId id="274" r:id="rId9"/>
+    <p:sldId id="275" r:id="rId10"/>
+    <p:sldId id="262" r:id="rId11"/>
+    <p:sldId id="276" r:id="rId12"/>
+    <p:sldId id="263" r:id="rId13"/>
+    <p:sldId id="264" r:id="rId14"/>
+    <p:sldId id="265" r:id="rId15"/>
+    <p:sldId id="266" r:id="rId16"/>
+    <p:sldId id="267" r:id="rId17"/>
+    <p:sldId id="268" r:id="rId18"/>
+    <p:sldId id="269" r:id="rId19"/>
+    <p:sldId id="270" r:id="rId20"/>
+    <p:sldId id="271" r:id="rId21"/>
+    <p:sldId id="272" r:id="rId22"/>
   </p:sldIdLst>
   <p:sldSz cx="12192000" cy="6858000"/>
   <p:notesSz cx="6858000" cy="9144000"/>
@@ -5641,7 +5645,7 @@
           <a:p>
             <a:fld id="{6960225B-3099-4BCC-8814-DD7C2A07BD3E}" type="datetimeFigureOut">
               <a:rPr lang="en-IN" smtClean="0"/>
-              <a:t>19-05-2025</a:t>
+              <a:t>21-05-2025</a:t>
             </a:fld>
             <a:endParaRPr lang="en-IN"/>
           </a:p>
@@ -5841,7 +5845,7 @@
           <a:p>
             <a:fld id="{6960225B-3099-4BCC-8814-DD7C2A07BD3E}" type="datetimeFigureOut">
               <a:rPr lang="en-IN" smtClean="0"/>
-              <a:t>19-05-2025</a:t>
+              <a:t>21-05-2025</a:t>
             </a:fld>
             <a:endParaRPr lang="en-IN"/>
           </a:p>
@@ -6051,7 +6055,7 @@
           <a:p>
             <a:fld id="{6960225B-3099-4BCC-8814-DD7C2A07BD3E}" type="datetimeFigureOut">
               <a:rPr lang="en-IN" smtClean="0"/>
-              <a:t>19-05-2025</a:t>
+              <a:t>21-05-2025</a:t>
             </a:fld>
             <a:endParaRPr lang="en-IN"/>
           </a:p>
@@ -6251,7 +6255,7 @@
           <a:p>
             <a:fld id="{6960225B-3099-4BCC-8814-DD7C2A07BD3E}" type="datetimeFigureOut">
               <a:rPr lang="en-IN" smtClean="0"/>
-              <a:t>19-05-2025</a:t>
+              <a:t>21-05-2025</a:t>
             </a:fld>
             <a:endParaRPr lang="en-IN"/>
           </a:p>
@@ -6527,7 +6531,7 @@
           <a:p>
             <a:fld id="{6960225B-3099-4BCC-8814-DD7C2A07BD3E}" type="datetimeFigureOut">
               <a:rPr lang="en-IN" smtClean="0"/>
-              <a:t>19-05-2025</a:t>
+              <a:t>21-05-2025</a:t>
             </a:fld>
             <a:endParaRPr lang="en-IN"/>
           </a:p>
@@ -6795,7 +6799,7 @@
           <a:p>
             <a:fld id="{6960225B-3099-4BCC-8814-DD7C2A07BD3E}" type="datetimeFigureOut">
               <a:rPr lang="en-IN" smtClean="0"/>
-              <a:t>19-05-2025</a:t>
+              <a:t>21-05-2025</a:t>
             </a:fld>
             <a:endParaRPr lang="en-IN"/>
           </a:p>
@@ -7210,7 +7214,7 @@
           <a:p>
             <a:fld id="{6960225B-3099-4BCC-8814-DD7C2A07BD3E}" type="datetimeFigureOut">
               <a:rPr lang="en-IN" smtClean="0"/>
-              <a:t>19-05-2025</a:t>
+              <a:t>21-05-2025</a:t>
             </a:fld>
             <a:endParaRPr lang="en-IN"/>
           </a:p>
@@ -7352,7 +7356,7 @@
           <a:p>
             <a:fld id="{6960225B-3099-4BCC-8814-DD7C2A07BD3E}" type="datetimeFigureOut">
               <a:rPr lang="en-IN" smtClean="0"/>
-              <a:t>19-05-2025</a:t>
+              <a:t>21-05-2025</a:t>
             </a:fld>
             <a:endParaRPr lang="en-IN"/>
           </a:p>
@@ -7465,7 +7469,7 @@
           <a:p>
             <a:fld id="{6960225B-3099-4BCC-8814-DD7C2A07BD3E}" type="datetimeFigureOut">
               <a:rPr lang="en-IN" smtClean="0"/>
-              <a:t>19-05-2025</a:t>
+              <a:t>21-05-2025</a:t>
             </a:fld>
             <a:endParaRPr lang="en-IN"/>
           </a:p>
@@ -7778,7 +7782,7 @@
           <a:p>
             <a:fld id="{6960225B-3099-4BCC-8814-DD7C2A07BD3E}" type="datetimeFigureOut">
               <a:rPr lang="en-IN" smtClean="0"/>
-              <a:t>19-05-2025</a:t>
+              <a:t>21-05-2025</a:t>
             </a:fld>
             <a:endParaRPr lang="en-IN"/>
           </a:p>
@@ -8067,7 +8071,7 @@
           <a:p>
             <a:fld id="{6960225B-3099-4BCC-8814-DD7C2A07BD3E}" type="datetimeFigureOut">
               <a:rPr lang="en-IN" smtClean="0"/>
-              <a:t>19-05-2025</a:t>
+              <a:t>21-05-2025</a:t>
             </a:fld>
             <a:endParaRPr lang="en-IN"/>
           </a:p>
@@ -8310,7 +8314,7 @@
           <a:p>
             <a:fld id="{6960225B-3099-4BCC-8814-DD7C2A07BD3E}" type="datetimeFigureOut">
               <a:rPr lang="en-IN" smtClean="0"/>
-              <a:t>19-05-2025</a:t>
+              <a:t>21-05-2025</a:t>
             </a:fld>
             <a:endParaRPr lang="en-IN"/>
           </a:p>
@@ -8876,6 +8880,1190 @@
       </p:grpSpPr>
       <p:sp>
         <p:nvSpPr>
+          <p:cNvPr id="4" name="Title 3">
+            <a:extLst>
+              <a:ext uri="{FF2B5EF4-FFF2-40B4-BE49-F238E27FC236}">
+                <a16:creationId xmlns:a16="http://schemas.microsoft.com/office/drawing/2014/main" id="{D7D5241D-E9DC-9EDD-116B-7C6FEFCACB61}"/>
+              </a:ext>
+            </a:extLst>
+          </p:cNvPr>
+          <p:cNvSpPr>
+            <a:spLocks noGrp="1"/>
+          </p:cNvSpPr>
+          <p:nvPr>
+            <p:ph type="title"/>
+          </p:nvPr>
+        </p:nvSpPr>
+        <p:spPr/>
+        <p:txBody>
+          <a:bodyPr>
+            <a:normAutofit/>
+          </a:bodyPr>
+          <a:lstStyle/>
+          <a:p>
+            <a:r>
+              <a:rPr lang="en-IN" sz="2800" dirty="0">
+                <a:latin typeface="Times New Roman" panose="02020603050405020304" pitchFamily="18" charset="0"/>
+                <a:cs typeface="Times New Roman" panose="02020603050405020304" pitchFamily="18" charset="0"/>
+              </a:rPr>
+              <a:t>Country wise Restaurant Count </a:t>
+            </a:r>
+          </a:p>
+        </p:txBody>
+      </p:sp>
+      <p:sp>
+        <p:nvSpPr>
+          <p:cNvPr id="6" name="Text Placeholder 5">
+            <a:extLst>
+              <a:ext uri="{FF2B5EF4-FFF2-40B4-BE49-F238E27FC236}">
+                <a16:creationId xmlns:a16="http://schemas.microsoft.com/office/drawing/2014/main" id="{8ECD861B-9A4A-ADD7-B993-93FE82BDD19B}"/>
+              </a:ext>
+            </a:extLst>
+          </p:cNvPr>
+          <p:cNvSpPr>
+            <a:spLocks noGrp="1"/>
+          </p:cNvSpPr>
+          <p:nvPr>
+            <p:ph type="body" sz="half" idx="2"/>
+          </p:nvPr>
+        </p:nvSpPr>
+        <p:spPr>
+          <a:xfrm>
+            <a:off x="839788" y="2499852"/>
+            <a:ext cx="3932237" cy="3811588"/>
+          </a:xfrm>
+        </p:spPr>
+        <p:txBody>
+          <a:bodyPr>
+            <a:normAutofit/>
+          </a:bodyPr>
+          <a:lstStyle/>
+          <a:p>
+            <a:pPr marL="285750" indent="-285750">
+              <a:buFont typeface="Arial" panose="020B0604020202020204" pitchFamily="34" charset="0"/>
+              <a:buChar char="•"/>
+            </a:pPr>
+            <a:r>
+              <a:rPr lang="en-IN" sz="2000" dirty="0">
+                <a:latin typeface="Times New Roman" panose="02020603050405020304" pitchFamily="18" charset="0"/>
+                <a:cs typeface="Times New Roman" panose="02020603050405020304" pitchFamily="18" charset="0"/>
+              </a:rPr>
+              <a:t>Plotted chart represents the number of number of restaurants present in each country. </a:t>
+            </a:r>
+          </a:p>
+          <a:p>
+            <a:pPr marL="285750" indent="-285750">
+              <a:buFont typeface="Arial" panose="020B0604020202020204" pitchFamily="34" charset="0"/>
+              <a:buChar char="•"/>
+            </a:pPr>
+            <a:r>
+              <a:rPr lang="en-US" sz="2000" dirty="0">
+                <a:latin typeface="Times New Roman" panose="02020603050405020304" pitchFamily="18" charset="0"/>
+                <a:cs typeface="Times New Roman" panose="02020603050405020304" pitchFamily="18" charset="0"/>
+              </a:rPr>
+              <a:t>India accounted for the highest number of restaurants, making up </a:t>
+            </a:r>
+            <a:r>
+              <a:rPr lang="en-US" sz="2000" b="1" dirty="0">
+                <a:latin typeface="Times New Roman" panose="02020603050405020304" pitchFamily="18" charset="0"/>
+                <a:cs typeface="Times New Roman" panose="02020603050405020304" pitchFamily="18" charset="0"/>
+              </a:rPr>
+              <a:t>91.5%</a:t>
+            </a:r>
+            <a:r>
+              <a:rPr lang="en-US" sz="2000" dirty="0">
+                <a:latin typeface="Times New Roman" panose="02020603050405020304" pitchFamily="18" charset="0"/>
+                <a:cs typeface="Times New Roman" panose="02020603050405020304" pitchFamily="18" charset="0"/>
+              </a:rPr>
+              <a:t> of the total compared to other countries.</a:t>
+            </a:r>
+          </a:p>
+          <a:p>
+            <a:pPr marL="285750" indent="-285750">
+              <a:buFont typeface="Arial" panose="020B0604020202020204" pitchFamily="34" charset="0"/>
+              <a:buChar char="•"/>
+            </a:pPr>
+            <a:r>
+              <a:rPr lang="en-US" sz="2000" dirty="0">
+                <a:latin typeface="Times New Roman" panose="02020603050405020304" pitchFamily="18" charset="0"/>
+                <a:cs typeface="Times New Roman" panose="02020603050405020304" pitchFamily="18" charset="0"/>
+              </a:rPr>
+              <a:t>Canada has the least with only 4 restaurants.</a:t>
+            </a:r>
+          </a:p>
+        </p:txBody>
+      </p:sp>
+      <p:pic>
+        <p:nvPicPr>
+          <p:cNvPr id="10" name="Picture 9">
+            <a:extLst>
+              <a:ext uri="{FF2B5EF4-FFF2-40B4-BE49-F238E27FC236}">
+                <a16:creationId xmlns:a16="http://schemas.microsoft.com/office/drawing/2014/main" id="{8C890159-BE1B-944F-7E79-05F4306156E1}"/>
+              </a:ext>
+            </a:extLst>
+          </p:cNvPr>
+          <p:cNvPicPr>
+            <a:picLocks noChangeAspect="1"/>
+          </p:cNvPicPr>
+          <p:nvPr/>
+        </p:nvPicPr>
+        <p:blipFill>
+          <a:blip r:embed="rId2"/>
+          <a:stretch>
+            <a:fillRect/>
+          </a:stretch>
+        </p:blipFill>
+        <p:spPr>
+          <a:xfrm>
+            <a:off x="5510375" y="1257300"/>
+            <a:ext cx="5841837" cy="4503174"/>
+          </a:xfrm>
+          <a:prstGeom prst="rect">
+            <a:avLst/>
+          </a:prstGeom>
+          <a:noFill/>
+        </p:spPr>
+      </p:pic>
+    </p:spTree>
+    <p:extLst>
+      <p:ext uri="{BB962C8B-B14F-4D97-AF65-F5344CB8AC3E}">
+        <p14:creationId xmlns:p14="http://schemas.microsoft.com/office/powerpoint/2010/main" val="3252206285"/>
+      </p:ext>
+    </p:extLst>
+  </p:cSld>
+  <p:clrMapOvr>
+    <a:masterClrMapping/>
+  </p:clrMapOvr>
+</p:sld>
+</file>
+
+<file path=ppt/slides/slide11.xml><?xml version="1.0" encoding="utf-8"?>
+<p:sld xmlns:a="http://schemas.openxmlformats.org/drawingml/2006/main" xmlns:r="http://schemas.openxmlformats.org/officeDocument/2006/relationships" xmlns:p="http://schemas.openxmlformats.org/presentationml/2006/main">
+  <p:cSld>
+    <p:spTree>
+      <p:nvGrpSpPr>
+        <p:cNvPr id="1" name=""/>
+        <p:cNvGrpSpPr/>
+        <p:nvPr/>
+      </p:nvGrpSpPr>
+      <p:grpSpPr>
+        <a:xfrm>
+          <a:off x="0" y="0"/>
+          <a:ext cx="0" cy="0"/>
+          <a:chOff x="0" y="0"/>
+          <a:chExt cx="0" cy="0"/>
+        </a:xfrm>
+      </p:grpSpPr>
+      <p:sp>
+        <p:nvSpPr>
+          <p:cNvPr id="7" name="Title 6">
+            <a:extLst>
+              <a:ext uri="{FF2B5EF4-FFF2-40B4-BE49-F238E27FC236}">
+                <a16:creationId xmlns:a16="http://schemas.microsoft.com/office/drawing/2014/main" id="{B3867BCA-5FB3-30CB-CDFB-A821EF027348}"/>
+              </a:ext>
+            </a:extLst>
+          </p:cNvPr>
+          <p:cNvSpPr>
+            <a:spLocks noGrp="1"/>
+          </p:cNvSpPr>
+          <p:nvPr>
+            <p:ph type="title"/>
+          </p:nvPr>
+        </p:nvSpPr>
+        <p:spPr>
+          <a:xfrm>
+            <a:off x="838200" y="365125"/>
+            <a:ext cx="10515600" cy="775417"/>
+          </a:xfrm>
+        </p:spPr>
+        <p:txBody>
+          <a:bodyPr>
+            <a:normAutofit/>
+          </a:bodyPr>
+          <a:lstStyle/>
+          <a:p>
+            <a:r>
+              <a:rPr lang="en-US" sz="3600" dirty="0">
+                <a:latin typeface="Times New Roman" panose="02020603050405020304" pitchFamily="18" charset="0"/>
+                <a:cs typeface="Times New Roman" panose="02020603050405020304" pitchFamily="18" charset="0"/>
+              </a:rPr>
+              <a:t>Country wise Average Cost for two</a:t>
+            </a:r>
+            <a:endParaRPr lang="en-IN" sz="3600" dirty="0">
+              <a:latin typeface="Times New Roman" panose="02020603050405020304" pitchFamily="18" charset="0"/>
+              <a:cs typeface="Times New Roman" panose="02020603050405020304" pitchFamily="18" charset="0"/>
+            </a:endParaRPr>
+          </a:p>
+        </p:txBody>
+      </p:sp>
+      <p:pic>
+        <p:nvPicPr>
+          <p:cNvPr id="9" name="Picture 8">
+            <a:extLst>
+              <a:ext uri="{FF2B5EF4-FFF2-40B4-BE49-F238E27FC236}">
+                <a16:creationId xmlns:a16="http://schemas.microsoft.com/office/drawing/2014/main" id="{860C6168-E14E-9548-1B00-FFCF9758FE26}"/>
+              </a:ext>
+            </a:extLst>
+          </p:cNvPr>
+          <p:cNvPicPr>
+            <a:picLocks noChangeAspect="1"/>
+          </p:cNvPicPr>
+          <p:nvPr/>
+        </p:nvPicPr>
+        <p:blipFill>
+          <a:blip r:embed="rId2"/>
+          <a:stretch>
+            <a:fillRect/>
+          </a:stretch>
+        </p:blipFill>
+        <p:spPr>
+          <a:xfrm>
+            <a:off x="6096000" y="1431634"/>
+            <a:ext cx="5726646" cy="3808959"/>
+          </a:xfrm>
+          <a:prstGeom prst="rect">
+            <a:avLst/>
+          </a:prstGeom>
+        </p:spPr>
+      </p:pic>
+      <p:sp>
+        <p:nvSpPr>
+          <p:cNvPr id="10" name="Text Placeholder 5">
+            <a:extLst>
+              <a:ext uri="{FF2B5EF4-FFF2-40B4-BE49-F238E27FC236}">
+                <a16:creationId xmlns:a16="http://schemas.microsoft.com/office/drawing/2014/main" id="{5923B75A-96B1-52C6-1746-07F731D63D1A}"/>
+              </a:ext>
+            </a:extLst>
+          </p:cNvPr>
+          <p:cNvSpPr txBox="1">
+            <a:spLocks/>
+          </p:cNvSpPr>
+          <p:nvPr/>
+        </p:nvSpPr>
+        <p:spPr>
+          <a:xfrm>
+            <a:off x="1105260" y="2450690"/>
+            <a:ext cx="3932237" cy="2327787"/>
+          </a:xfrm>
+          <a:prstGeom prst="rect">
+            <a:avLst/>
+          </a:prstGeom>
+        </p:spPr>
+        <p:txBody>
+          <a:bodyPr>
+            <a:normAutofit/>
+          </a:bodyPr>
+          <a:lstStyle>
+            <a:lvl1pPr marL="228600" indent="-228600" algn="l" defTabSz="914400" rtl="0" eaLnBrk="1" latinLnBrk="0" hangingPunct="1">
+              <a:lnSpc>
+                <a:spcPct val="90000"/>
+              </a:lnSpc>
+              <a:spcBef>
+                <a:spcPts val="1000"/>
+              </a:spcBef>
+              <a:buFont typeface="Arial" panose="020B0604020202020204" pitchFamily="34" charset="0"/>
+              <a:buChar char="•"/>
+              <a:defRPr sz="2800" kern="1200">
+                <a:solidFill>
+                  <a:schemeClr val="tx1"/>
+                </a:solidFill>
+                <a:latin typeface="+mn-lt"/>
+                <a:ea typeface="+mn-ea"/>
+                <a:cs typeface="+mn-cs"/>
+              </a:defRPr>
+            </a:lvl1pPr>
+            <a:lvl2pPr marL="685800" indent="-228600" algn="l" defTabSz="914400" rtl="0" eaLnBrk="1" latinLnBrk="0" hangingPunct="1">
+              <a:lnSpc>
+                <a:spcPct val="90000"/>
+              </a:lnSpc>
+              <a:spcBef>
+                <a:spcPts val="500"/>
+              </a:spcBef>
+              <a:buFont typeface="Arial" panose="020B0604020202020204" pitchFamily="34" charset="0"/>
+              <a:buChar char="•"/>
+              <a:defRPr sz="2400" kern="1200">
+                <a:solidFill>
+                  <a:schemeClr val="tx1"/>
+                </a:solidFill>
+                <a:latin typeface="+mn-lt"/>
+                <a:ea typeface="+mn-ea"/>
+                <a:cs typeface="+mn-cs"/>
+              </a:defRPr>
+            </a:lvl2pPr>
+            <a:lvl3pPr marL="1143000" indent="-228600" algn="l" defTabSz="914400" rtl="0" eaLnBrk="1" latinLnBrk="0" hangingPunct="1">
+              <a:lnSpc>
+                <a:spcPct val="90000"/>
+              </a:lnSpc>
+              <a:spcBef>
+                <a:spcPts val="500"/>
+              </a:spcBef>
+              <a:buFont typeface="Arial" panose="020B0604020202020204" pitchFamily="34" charset="0"/>
+              <a:buChar char="•"/>
+              <a:defRPr sz="2000" kern="1200">
+                <a:solidFill>
+                  <a:schemeClr val="tx1"/>
+                </a:solidFill>
+                <a:latin typeface="+mn-lt"/>
+                <a:ea typeface="+mn-ea"/>
+                <a:cs typeface="+mn-cs"/>
+              </a:defRPr>
+            </a:lvl3pPr>
+            <a:lvl4pPr marL="1600200" indent="-228600" algn="l" defTabSz="914400" rtl="0" eaLnBrk="1" latinLnBrk="0" hangingPunct="1">
+              <a:lnSpc>
+                <a:spcPct val="90000"/>
+              </a:lnSpc>
+              <a:spcBef>
+                <a:spcPts val="500"/>
+              </a:spcBef>
+              <a:buFont typeface="Arial" panose="020B0604020202020204" pitchFamily="34" charset="0"/>
+              <a:buChar char="•"/>
+              <a:defRPr sz="1800" kern="1200">
+                <a:solidFill>
+                  <a:schemeClr val="tx1"/>
+                </a:solidFill>
+                <a:latin typeface="+mn-lt"/>
+                <a:ea typeface="+mn-ea"/>
+                <a:cs typeface="+mn-cs"/>
+              </a:defRPr>
+            </a:lvl4pPr>
+            <a:lvl5pPr marL="2057400" indent="-228600" algn="l" defTabSz="914400" rtl="0" eaLnBrk="1" latinLnBrk="0" hangingPunct="1">
+              <a:lnSpc>
+                <a:spcPct val="90000"/>
+              </a:lnSpc>
+              <a:spcBef>
+                <a:spcPts val="500"/>
+              </a:spcBef>
+              <a:buFont typeface="Arial" panose="020B0604020202020204" pitchFamily="34" charset="0"/>
+              <a:buChar char="•"/>
+              <a:defRPr sz="1800" kern="1200">
+                <a:solidFill>
+                  <a:schemeClr val="tx1"/>
+                </a:solidFill>
+                <a:latin typeface="+mn-lt"/>
+                <a:ea typeface="+mn-ea"/>
+                <a:cs typeface="+mn-cs"/>
+              </a:defRPr>
+            </a:lvl5pPr>
+            <a:lvl6pPr marL="2514600" indent="-228600" algn="l" defTabSz="914400" rtl="0" eaLnBrk="1" latinLnBrk="0" hangingPunct="1">
+              <a:lnSpc>
+                <a:spcPct val="90000"/>
+              </a:lnSpc>
+              <a:spcBef>
+                <a:spcPts val="500"/>
+              </a:spcBef>
+              <a:buFont typeface="Arial" panose="020B0604020202020204" pitchFamily="34" charset="0"/>
+              <a:buChar char="•"/>
+              <a:defRPr sz="1800" kern="1200">
+                <a:solidFill>
+                  <a:schemeClr val="tx1"/>
+                </a:solidFill>
+                <a:latin typeface="+mn-lt"/>
+                <a:ea typeface="+mn-ea"/>
+                <a:cs typeface="+mn-cs"/>
+              </a:defRPr>
+            </a:lvl6pPr>
+            <a:lvl7pPr marL="2971800" indent="-228600" algn="l" defTabSz="914400" rtl="0" eaLnBrk="1" latinLnBrk="0" hangingPunct="1">
+              <a:lnSpc>
+                <a:spcPct val="90000"/>
+              </a:lnSpc>
+              <a:spcBef>
+                <a:spcPts val="500"/>
+              </a:spcBef>
+              <a:buFont typeface="Arial" panose="020B0604020202020204" pitchFamily="34" charset="0"/>
+              <a:buChar char="•"/>
+              <a:defRPr sz="1800" kern="1200">
+                <a:solidFill>
+                  <a:schemeClr val="tx1"/>
+                </a:solidFill>
+                <a:latin typeface="+mn-lt"/>
+                <a:ea typeface="+mn-ea"/>
+                <a:cs typeface="+mn-cs"/>
+              </a:defRPr>
+            </a:lvl7pPr>
+            <a:lvl8pPr marL="3429000" indent="-228600" algn="l" defTabSz="914400" rtl="0" eaLnBrk="1" latinLnBrk="0" hangingPunct="1">
+              <a:lnSpc>
+                <a:spcPct val="90000"/>
+              </a:lnSpc>
+              <a:spcBef>
+                <a:spcPts val="500"/>
+              </a:spcBef>
+              <a:buFont typeface="Arial" panose="020B0604020202020204" pitchFamily="34" charset="0"/>
+              <a:buChar char="•"/>
+              <a:defRPr sz="1800" kern="1200">
+                <a:solidFill>
+                  <a:schemeClr val="tx1"/>
+                </a:solidFill>
+                <a:latin typeface="+mn-lt"/>
+                <a:ea typeface="+mn-ea"/>
+                <a:cs typeface="+mn-cs"/>
+              </a:defRPr>
+            </a:lvl8pPr>
+            <a:lvl9pPr marL="3886200" indent="-228600" algn="l" defTabSz="914400" rtl="0" eaLnBrk="1" latinLnBrk="0" hangingPunct="1">
+              <a:lnSpc>
+                <a:spcPct val="90000"/>
+              </a:lnSpc>
+              <a:spcBef>
+                <a:spcPts val="500"/>
+              </a:spcBef>
+              <a:buFont typeface="Arial" panose="020B0604020202020204" pitchFamily="34" charset="0"/>
+              <a:buChar char="•"/>
+              <a:defRPr sz="1800" kern="1200">
+                <a:solidFill>
+                  <a:schemeClr val="tx1"/>
+                </a:solidFill>
+                <a:latin typeface="+mn-lt"/>
+                <a:ea typeface="+mn-ea"/>
+                <a:cs typeface="+mn-cs"/>
+              </a:defRPr>
+            </a:lvl9pPr>
+          </a:lstStyle>
+          <a:p>
+            <a:pPr marL="285750" indent="-285750"/>
+            <a:r>
+              <a:rPr lang="en-IN" sz="2000" dirty="0">
+                <a:latin typeface="Times New Roman" panose="02020603050405020304" pitchFamily="18" charset="0"/>
+                <a:cs typeface="Times New Roman" panose="02020603050405020304" pitchFamily="18" charset="0"/>
+              </a:rPr>
+              <a:t>Plotted chart represents Average cost for 2 in INR for each country</a:t>
+            </a:r>
+          </a:p>
+          <a:p>
+            <a:pPr marL="285750" indent="-285750"/>
+            <a:r>
+              <a:rPr lang="en-US" sz="2000" dirty="0">
+                <a:latin typeface="Times New Roman" panose="02020603050405020304" pitchFamily="18" charset="0"/>
+                <a:cs typeface="Times New Roman" panose="02020603050405020304" pitchFamily="18" charset="0"/>
+              </a:rPr>
+              <a:t>Qutar accounted highest average count for two of  Rs.49,641</a:t>
+            </a:r>
+          </a:p>
+          <a:p>
+            <a:pPr marL="285750" indent="-285750"/>
+            <a:r>
+              <a:rPr lang="en-US" sz="2000" dirty="0">
+                <a:latin typeface="Times New Roman" panose="02020603050405020304" pitchFamily="18" charset="0"/>
+                <a:cs typeface="Times New Roman" panose="02020603050405020304" pitchFamily="18" charset="0"/>
+              </a:rPr>
+              <a:t>Turkey has the least with only Rs.188.</a:t>
+            </a:r>
+          </a:p>
+        </p:txBody>
+      </p:sp>
+    </p:spTree>
+    <p:extLst>
+      <p:ext uri="{BB962C8B-B14F-4D97-AF65-F5344CB8AC3E}">
+        <p14:creationId xmlns:p14="http://schemas.microsoft.com/office/powerpoint/2010/main" val="2516739327"/>
+      </p:ext>
+    </p:extLst>
+  </p:cSld>
+  <p:clrMapOvr>
+    <a:masterClrMapping/>
+  </p:clrMapOvr>
+</p:sld>
+</file>
+
+<file path=ppt/slides/slide12.xml><?xml version="1.0" encoding="utf-8"?>
+<p:sld xmlns:a="http://schemas.openxmlformats.org/drawingml/2006/main" xmlns:r="http://schemas.openxmlformats.org/officeDocument/2006/relationships" xmlns:p="http://schemas.openxmlformats.org/presentationml/2006/main">
+  <p:cSld>
+    <p:spTree>
+      <p:nvGrpSpPr>
+        <p:cNvPr id="1" name=""/>
+        <p:cNvGrpSpPr/>
+        <p:nvPr/>
+      </p:nvGrpSpPr>
+      <p:grpSpPr>
+        <a:xfrm>
+          <a:off x="0" y="0"/>
+          <a:ext cx="0" cy="0"/>
+          <a:chOff x="0" y="0"/>
+          <a:chExt cx="0" cy="0"/>
+        </a:xfrm>
+      </p:grpSpPr>
+      <p:sp>
+        <p:nvSpPr>
+          <p:cNvPr id="2" name="Title 1">
+            <a:extLst>
+              <a:ext uri="{FF2B5EF4-FFF2-40B4-BE49-F238E27FC236}">
+                <a16:creationId xmlns:a16="http://schemas.microsoft.com/office/drawing/2014/main" id="{4B98E4CA-7AEE-2116-B15E-E35847E309A1}"/>
+              </a:ext>
+            </a:extLst>
+          </p:cNvPr>
+          <p:cNvSpPr>
+            <a:spLocks noGrp="1"/>
+          </p:cNvSpPr>
+          <p:nvPr>
+            <p:ph type="title"/>
+          </p:nvPr>
+        </p:nvSpPr>
+        <p:spPr>
+          <a:xfrm>
+            <a:off x="838200" y="365125"/>
+            <a:ext cx="10515600" cy="1011391"/>
+          </a:xfrm>
+        </p:spPr>
+        <p:txBody>
+          <a:bodyPr>
+            <a:normAutofit/>
+          </a:bodyPr>
+          <a:lstStyle/>
+          <a:p>
+            <a:r>
+              <a:rPr lang="en-IN" sz="3600" dirty="0">
+                <a:latin typeface="Times New Roman" panose="02020603050405020304" pitchFamily="18" charset="0"/>
+                <a:cs typeface="Times New Roman" panose="02020603050405020304" pitchFamily="18" charset="0"/>
+              </a:rPr>
+              <a:t>Suggestion of countries for expanding</a:t>
+            </a:r>
+          </a:p>
+        </p:txBody>
+      </p:sp>
+      <p:sp>
+        <p:nvSpPr>
+          <p:cNvPr id="3" name="Content Placeholder 2">
+            <a:extLst>
+              <a:ext uri="{FF2B5EF4-FFF2-40B4-BE49-F238E27FC236}">
+                <a16:creationId xmlns:a16="http://schemas.microsoft.com/office/drawing/2014/main" id="{1C22CEF7-B2A0-6AE8-317C-2C6669014705}"/>
+              </a:ext>
+            </a:extLst>
+          </p:cNvPr>
+          <p:cNvSpPr>
+            <a:spLocks noGrp="1"/>
+          </p:cNvSpPr>
+          <p:nvPr>
+            <p:ph idx="1"/>
+          </p:nvPr>
+        </p:nvSpPr>
+        <p:spPr>
+          <a:xfrm>
+            <a:off x="838200" y="1471662"/>
+            <a:ext cx="10515600" cy="5021213"/>
+          </a:xfrm>
+        </p:spPr>
+        <p:txBody>
+          <a:bodyPr>
+            <a:normAutofit fontScale="92500" lnSpcReduction="20000"/>
+          </a:bodyPr>
+          <a:lstStyle/>
+          <a:p>
+            <a:r>
+              <a:rPr lang="en-IN" sz="2600" b="1" dirty="0">
+                <a:latin typeface="Times New Roman" panose="02020603050405020304" pitchFamily="18" charset="0"/>
+                <a:cs typeface="Times New Roman" panose="02020603050405020304" pitchFamily="18" charset="0"/>
+              </a:rPr>
+              <a:t>Criteria</a:t>
+            </a:r>
+            <a:r>
+              <a:rPr lang="en-IN" sz="2600" dirty="0">
+                <a:latin typeface="Times New Roman" panose="02020603050405020304" pitchFamily="18" charset="0"/>
+                <a:cs typeface="Times New Roman" panose="02020603050405020304" pitchFamily="18" charset="0"/>
+              </a:rPr>
+              <a:t> </a:t>
+            </a:r>
+          </a:p>
+          <a:p>
+            <a:pPr marL="914400" lvl="1" indent="-457200">
+              <a:lnSpc>
+                <a:spcPct val="100000"/>
+              </a:lnSpc>
+              <a:buFont typeface="+mj-lt"/>
+              <a:buAutoNum type="arabicPeriod"/>
+            </a:pPr>
+            <a:r>
+              <a:rPr lang="en-US" sz="2200" dirty="0">
+                <a:latin typeface="Times New Roman" panose="02020603050405020304" pitchFamily="18" charset="0"/>
+                <a:cs typeface="Times New Roman" panose="02020603050405020304" pitchFamily="18" charset="0"/>
+              </a:rPr>
+              <a:t>The total number of restaurants should be fewer than 60 to minimize competition. Maintaining a limited presence allows for greater market control, ensuring higher demand and profitability within the selected locations</a:t>
+            </a:r>
+          </a:p>
+          <a:p>
+            <a:pPr marL="914400" lvl="1" indent="-457200">
+              <a:buFont typeface="+mj-lt"/>
+              <a:buAutoNum type="arabicPeriod"/>
+            </a:pPr>
+            <a:r>
+              <a:rPr lang="en-US" sz="2200" dirty="0">
+                <a:latin typeface="Times New Roman" panose="02020603050405020304" pitchFamily="18" charset="0"/>
+                <a:cs typeface="Times New Roman" panose="02020603050405020304" pitchFamily="18" charset="0"/>
+              </a:rPr>
+              <a:t>The number of restaurants per city should be fewer than 5 to ensure market dominance. Limiting competition within each city allows for greater control over customer preferences and enhances the ability to establish a strong presence.</a:t>
+            </a:r>
+          </a:p>
+          <a:p>
+            <a:pPr marL="914400" lvl="1" indent="-457200">
+              <a:buFont typeface="+mj-lt"/>
+              <a:buAutoNum type="arabicPeriod"/>
+            </a:pPr>
+            <a:r>
+              <a:rPr lang="en-US" sz="2200" dirty="0">
+                <a:latin typeface="Times New Roman" panose="02020603050405020304" pitchFamily="18" charset="0"/>
+                <a:cs typeface="Times New Roman" panose="02020603050405020304" pitchFamily="18" charset="0"/>
+              </a:rPr>
+              <a:t>The average cost for two should remain below Rs.4000, as a premium price may discourage potential customers from visiting. Keeping pricing accessible can help attract a larger customer base and improve footfall.</a:t>
+            </a:r>
+          </a:p>
+          <a:p>
+            <a:pPr marL="914400" lvl="1" indent="-457200">
+              <a:buFont typeface="+mj-lt"/>
+              <a:buAutoNum type="arabicPeriod"/>
+            </a:pPr>
+            <a:r>
+              <a:rPr lang="en-US" sz="2200" dirty="0">
+                <a:latin typeface="Times New Roman" panose="02020603050405020304" pitchFamily="18" charset="0"/>
+                <a:cs typeface="Times New Roman" panose="02020603050405020304" pitchFamily="18" charset="0"/>
+              </a:rPr>
+              <a:t>An average rating below 3.7 suggests a lower quality of service for customers. Expanding into such cities could provide a competitive advantage if customer satisfaction is effectively addressed</a:t>
+            </a:r>
+          </a:p>
+          <a:p>
+            <a:pPr marL="457200" lvl="1" indent="0">
+              <a:buNone/>
+            </a:pPr>
+            <a:endParaRPr lang="en-US" sz="2200" dirty="0">
+              <a:latin typeface="Times New Roman" panose="02020603050405020304" pitchFamily="18" charset="0"/>
+              <a:cs typeface="Times New Roman" panose="02020603050405020304" pitchFamily="18" charset="0"/>
+            </a:endParaRPr>
+          </a:p>
+          <a:p>
+            <a:r>
+              <a:rPr lang="en-IN" sz="2600" b="1" dirty="0">
+                <a:latin typeface="Times New Roman" panose="02020603050405020304" pitchFamily="18" charset="0"/>
+                <a:cs typeface="Times New Roman" panose="02020603050405020304" pitchFamily="18" charset="0"/>
+              </a:rPr>
+              <a:t>Recommended countries and Cities</a:t>
+            </a:r>
+            <a:endParaRPr lang="en-IN" sz="2600" dirty="0">
+              <a:latin typeface="Times New Roman" panose="02020603050405020304" pitchFamily="18" charset="0"/>
+              <a:cs typeface="Times New Roman" panose="02020603050405020304" pitchFamily="18" charset="0"/>
+            </a:endParaRPr>
+          </a:p>
+          <a:p>
+            <a:pPr marL="914400" lvl="1" indent="-457200">
+              <a:buFont typeface="+mj-lt"/>
+              <a:buAutoNum type="arabicPeriod"/>
+            </a:pPr>
+            <a:r>
+              <a:rPr lang="en-IN" b="1" dirty="0">
+                <a:latin typeface="Times New Roman" panose="02020603050405020304" pitchFamily="18" charset="0"/>
+                <a:cs typeface="Times New Roman" panose="02020603050405020304" pitchFamily="18" charset="0"/>
+              </a:rPr>
+              <a:t>Australia</a:t>
+            </a:r>
+            <a:r>
+              <a:rPr lang="en-IN" dirty="0"/>
+              <a:t> - </a:t>
+            </a:r>
+            <a:r>
+              <a:rPr lang="en-IN" sz="2000" dirty="0">
+                <a:effectLst/>
+                <a:latin typeface="Times New Roman" panose="02020603050405020304" pitchFamily="18" charset="0"/>
+                <a:ea typeface="Calibri" panose="020F0502020204030204" pitchFamily="34" charset="0"/>
+              </a:rPr>
+              <a:t>Flaxton, Paynesville, Montville.</a:t>
+            </a:r>
+          </a:p>
+          <a:p>
+            <a:pPr marL="914400" lvl="1" indent="-457200">
+              <a:buFont typeface="+mj-lt"/>
+              <a:buAutoNum type="arabicPeriod"/>
+            </a:pPr>
+            <a:r>
+              <a:rPr lang="en-IN" b="1" dirty="0">
+                <a:latin typeface="Times New Roman" panose="02020603050405020304" pitchFamily="18" charset="0"/>
+                <a:cs typeface="Times New Roman" panose="02020603050405020304" pitchFamily="18" charset="0"/>
+              </a:rPr>
+              <a:t>Canada</a:t>
+            </a:r>
+            <a:r>
+              <a:rPr lang="en-IN" sz="2000" dirty="0">
+                <a:latin typeface="Times New Roman" panose="02020603050405020304" pitchFamily="18" charset="0"/>
+                <a:ea typeface="Calibri" panose="020F0502020204030204" pitchFamily="34" charset="0"/>
+              </a:rPr>
+              <a:t> – Chatham-Kent, Consort, Vineland Station, Yorkton.</a:t>
+            </a:r>
+          </a:p>
+          <a:p>
+            <a:pPr marL="914400" lvl="1" indent="-457200">
+              <a:buFont typeface="+mj-lt"/>
+              <a:buAutoNum type="arabicPeriod"/>
+            </a:pPr>
+            <a:r>
+              <a:rPr lang="en-IN" b="1" dirty="0">
+                <a:latin typeface="Times New Roman" panose="02020603050405020304" pitchFamily="18" charset="0"/>
+                <a:cs typeface="Times New Roman" panose="02020603050405020304" pitchFamily="18" charset="0"/>
+              </a:rPr>
+              <a:t>Indonesia</a:t>
+            </a:r>
+            <a:r>
+              <a:rPr lang="en-IN" sz="2000" dirty="0">
+                <a:latin typeface="Times New Roman" panose="02020603050405020304" pitchFamily="18" charset="0"/>
+                <a:ea typeface="Calibri" panose="020F0502020204030204" pitchFamily="34" charset="0"/>
+              </a:rPr>
+              <a:t> – Tangerang.</a:t>
+            </a:r>
+          </a:p>
+        </p:txBody>
+      </p:sp>
+    </p:spTree>
+    <p:extLst>
+      <p:ext uri="{BB962C8B-B14F-4D97-AF65-F5344CB8AC3E}">
+        <p14:creationId xmlns:p14="http://schemas.microsoft.com/office/powerpoint/2010/main" val="444665779"/>
+      </p:ext>
+    </p:extLst>
+  </p:cSld>
+  <p:clrMapOvr>
+    <a:masterClrMapping/>
+  </p:clrMapOvr>
+</p:sld>
+</file>
+
+<file path=ppt/slides/slide13.xml><?xml version="1.0" encoding="utf-8"?>
+<p:sld xmlns:a="http://schemas.openxmlformats.org/drawingml/2006/main" xmlns:r="http://schemas.openxmlformats.org/officeDocument/2006/relationships" xmlns:p="http://schemas.openxmlformats.org/presentationml/2006/main">
+  <p:cSld>
+    <p:spTree>
+      <p:nvGrpSpPr>
+        <p:cNvPr id="1" name=""/>
+        <p:cNvGrpSpPr/>
+        <p:nvPr/>
+      </p:nvGrpSpPr>
+      <p:grpSpPr>
+        <a:xfrm>
+          <a:off x="0" y="0"/>
+          <a:ext cx="0" cy="0"/>
+          <a:chOff x="0" y="0"/>
+          <a:chExt cx="0" cy="0"/>
+        </a:xfrm>
+      </p:grpSpPr>
+      <p:pic>
+        <p:nvPicPr>
+          <p:cNvPr id="5" name="Picture 4">
+            <a:extLst>
+              <a:ext uri="{FF2B5EF4-FFF2-40B4-BE49-F238E27FC236}">
+                <a16:creationId xmlns:a16="http://schemas.microsoft.com/office/drawing/2014/main" id="{F8FD7371-460A-3DDA-E4A4-9FA5D448168A}"/>
+              </a:ext>
+            </a:extLst>
+          </p:cNvPr>
+          <p:cNvPicPr>
+            <a:picLocks noChangeAspect="1"/>
+          </p:cNvPicPr>
+          <p:nvPr/>
+        </p:nvPicPr>
+        <p:blipFill>
+          <a:blip r:embed="rId2"/>
+          <a:stretch>
+            <a:fillRect/>
+          </a:stretch>
+        </p:blipFill>
+        <p:spPr>
+          <a:xfrm>
+            <a:off x="7194386" y="960001"/>
+            <a:ext cx="3681176" cy="2328098"/>
+          </a:xfrm>
+          <a:prstGeom prst="rect">
+            <a:avLst/>
+          </a:prstGeom>
+        </p:spPr>
+      </p:pic>
+      <p:sp>
+        <p:nvSpPr>
+          <p:cNvPr id="8" name="Text Placeholder 7">
+            <a:extLst>
+              <a:ext uri="{FF2B5EF4-FFF2-40B4-BE49-F238E27FC236}">
+                <a16:creationId xmlns:a16="http://schemas.microsoft.com/office/drawing/2014/main" id="{05204A96-BEAB-2899-F87D-2C1F42DA57AB}"/>
+              </a:ext>
+            </a:extLst>
+          </p:cNvPr>
+          <p:cNvSpPr>
+            <a:spLocks noGrp="1"/>
+          </p:cNvSpPr>
+          <p:nvPr>
+            <p:ph type="body" sz="half" idx="2"/>
+          </p:nvPr>
+        </p:nvSpPr>
+        <p:spPr>
+          <a:xfrm>
+            <a:off x="1217777" y="3957719"/>
+            <a:ext cx="3932237" cy="2620061"/>
+          </a:xfrm>
+        </p:spPr>
+        <p:txBody>
+          <a:bodyPr>
+            <a:noAutofit/>
+          </a:bodyPr>
+          <a:lstStyle/>
+          <a:p>
+            <a:pPr marL="285750" indent="-285750">
+              <a:buFont typeface="Arial" panose="020B0604020202020204" pitchFamily="34" charset="0"/>
+              <a:buChar char="•"/>
+            </a:pPr>
+            <a:r>
+              <a:rPr lang="en-US" sz="1800" dirty="0">
+                <a:latin typeface="Times New Roman" panose="02020603050405020304" pitchFamily="18" charset="0"/>
+                <a:cs typeface="Times New Roman" panose="02020603050405020304" pitchFamily="18" charset="0"/>
+              </a:rPr>
+              <a:t>The city to restaurant count ratio is visualized to support the selection of the ideal country for expansion. This analysis helps in identifying market opportunities, assessing competition, and making data-driven decisions for strategic growth.</a:t>
+            </a:r>
+            <a:r>
+              <a:rPr lang="en-IN" sz="1800" dirty="0">
+                <a:latin typeface="Times New Roman" panose="02020603050405020304" pitchFamily="18" charset="0"/>
+                <a:cs typeface="Times New Roman" panose="02020603050405020304" pitchFamily="18" charset="0"/>
+              </a:rPr>
+              <a:t>.</a:t>
+            </a:r>
+          </a:p>
+        </p:txBody>
+      </p:sp>
+      <p:sp>
+        <p:nvSpPr>
+          <p:cNvPr id="10" name="TextBox 9">
+            <a:extLst>
+              <a:ext uri="{FF2B5EF4-FFF2-40B4-BE49-F238E27FC236}">
+                <a16:creationId xmlns:a16="http://schemas.microsoft.com/office/drawing/2014/main" id="{68634702-EA42-706A-C7FE-89482E563EE1}"/>
+              </a:ext>
+            </a:extLst>
+          </p:cNvPr>
+          <p:cNvSpPr txBox="1"/>
+          <p:nvPr/>
+        </p:nvSpPr>
+        <p:spPr>
+          <a:xfrm>
+            <a:off x="7895304" y="921519"/>
+            <a:ext cx="2556387" cy="369332"/>
+          </a:xfrm>
+          <a:prstGeom prst="rect">
+            <a:avLst/>
+          </a:prstGeom>
+          <a:noFill/>
+        </p:spPr>
+        <p:txBody>
+          <a:bodyPr wrap="square" rtlCol="0">
+            <a:spAutoFit/>
+          </a:bodyPr>
+          <a:lstStyle/>
+          <a:p>
+            <a:r>
+              <a:rPr lang="en-IN" b="1" dirty="0">
+                <a:latin typeface="Times New Roman" panose="02020603050405020304" pitchFamily="18" charset="0"/>
+                <a:cs typeface="Times New Roman" panose="02020603050405020304" pitchFamily="18" charset="0"/>
+              </a:rPr>
+              <a:t>Restaurant count</a:t>
+            </a:r>
+          </a:p>
+        </p:txBody>
+      </p:sp>
+      <p:pic>
+        <p:nvPicPr>
+          <p:cNvPr id="14" name="Picture 13">
+            <a:extLst>
+              <a:ext uri="{FF2B5EF4-FFF2-40B4-BE49-F238E27FC236}">
+                <a16:creationId xmlns:a16="http://schemas.microsoft.com/office/drawing/2014/main" id="{70B955F2-C48B-DC8D-3831-5EB9EAE25F40}"/>
+              </a:ext>
+            </a:extLst>
+          </p:cNvPr>
+          <p:cNvPicPr>
+            <a:picLocks noChangeAspect="1"/>
+          </p:cNvPicPr>
+          <p:nvPr/>
+        </p:nvPicPr>
+        <p:blipFill>
+          <a:blip r:embed="rId3"/>
+          <a:stretch>
+            <a:fillRect/>
+          </a:stretch>
+        </p:blipFill>
+        <p:spPr>
+          <a:xfrm>
+            <a:off x="7194386" y="3957718"/>
+            <a:ext cx="3681176" cy="2620061"/>
+          </a:xfrm>
+          <a:prstGeom prst="rect">
+            <a:avLst/>
+          </a:prstGeom>
+        </p:spPr>
+      </p:pic>
+      <p:sp>
+        <p:nvSpPr>
+          <p:cNvPr id="15" name="Text Placeholder 7">
+            <a:extLst>
+              <a:ext uri="{FF2B5EF4-FFF2-40B4-BE49-F238E27FC236}">
+                <a16:creationId xmlns:a16="http://schemas.microsoft.com/office/drawing/2014/main" id="{E0D7CB8C-7548-0455-A612-653D65C764EE}"/>
+              </a:ext>
+            </a:extLst>
+          </p:cNvPr>
+          <p:cNvSpPr txBox="1">
+            <a:spLocks/>
+          </p:cNvSpPr>
+          <p:nvPr/>
+        </p:nvSpPr>
+        <p:spPr>
+          <a:xfrm>
+            <a:off x="1217777" y="1290851"/>
+            <a:ext cx="3932237" cy="2138149"/>
+          </a:xfrm>
+          <a:prstGeom prst="rect">
+            <a:avLst/>
+          </a:prstGeom>
+        </p:spPr>
+        <p:txBody>
+          <a:bodyPr vert="horz" lIns="91440" tIns="45720" rIns="91440" bIns="45720" rtlCol="0">
+            <a:noAutofit/>
+          </a:bodyPr>
+          <a:lstStyle>
+            <a:lvl1pPr marL="0" indent="0" algn="l" defTabSz="914400" rtl="0" eaLnBrk="1" latinLnBrk="0" hangingPunct="1">
+              <a:lnSpc>
+                <a:spcPct val="90000"/>
+              </a:lnSpc>
+              <a:spcBef>
+                <a:spcPts val="1000"/>
+              </a:spcBef>
+              <a:buFont typeface="Arial" panose="020B0604020202020204" pitchFamily="34" charset="0"/>
+              <a:buNone/>
+              <a:defRPr sz="1600" kern="1200">
+                <a:solidFill>
+                  <a:schemeClr val="tx1"/>
+                </a:solidFill>
+                <a:latin typeface="+mn-lt"/>
+                <a:ea typeface="+mn-ea"/>
+                <a:cs typeface="+mn-cs"/>
+              </a:defRPr>
+            </a:lvl1pPr>
+            <a:lvl2pPr marL="457200" indent="0" algn="l" defTabSz="914400" rtl="0" eaLnBrk="1" latinLnBrk="0" hangingPunct="1">
+              <a:lnSpc>
+                <a:spcPct val="90000"/>
+              </a:lnSpc>
+              <a:spcBef>
+                <a:spcPts val="500"/>
+              </a:spcBef>
+              <a:buFont typeface="Arial" panose="020B0604020202020204" pitchFamily="34" charset="0"/>
+              <a:buNone/>
+              <a:defRPr sz="1400" kern="1200">
+                <a:solidFill>
+                  <a:schemeClr val="tx1"/>
+                </a:solidFill>
+                <a:latin typeface="+mn-lt"/>
+                <a:ea typeface="+mn-ea"/>
+                <a:cs typeface="+mn-cs"/>
+              </a:defRPr>
+            </a:lvl2pPr>
+            <a:lvl3pPr marL="914400" indent="0" algn="l" defTabSz="914400" rtl="0" eaLnBrk="1" latinLnBrk="0" hangingPunct="1">
+              <a:lnSpc>
+                <a:spcPct val="90000"/>
+              </a:lnSpc>
+              <a:spcBef>
+                <a:spcPts val="500"/>
+              </a:spcBef>
+              <a:buFont typeface="Arial" panose="020B0604020202020204" pitchFamily="34" charset="0"/>
+              <a:buNone/>
+              <a:defRPr sz="1200" kern="1200">
+                <a:solidFill>
+                  <a:schemeClr val="tx1"/>
+                </a:solidFill>
+                <a:latin typeface="+mn-lt"/>
+                <a:ea typeface="+mn-ea"/>
+                <a:cs typeface="+mn-cs"/>
+              </a:defRPr>
+            </a:lvl3pPr>
+            <a:lvl4pPr marL="1371600" indent="0" algn="l" defTabSz="914400" rtl="0" eaLnBrk="1" latinLnBrk="0" hangingPunct="1">
+              <a:lnSpc>
+                <a:spcPct val="90000"/>
+              </a:lnSpc>
+              <a:spcBef>
+                <a:spcPts val="500"/>
+              </a:spcBef>
+              <a:buFont typeface="Arial" panose="020B0604020202020204" pitchFamily="34" charset="0"/>
+              <a:buNone/>
+              <a:defRPr sz="1000" kern="1200">
+                <a:solidFill>
+                  <a:schemeClr val="tx1"/>
+                </a:solidFill>
+                <a:latin typeface="+mn-lt"/>
+                <a:ea typeface="+mn-ea"/>
+                <a:cs typeface="+mn-cs"/>
+              </a:defRPr>
+            </a:lvl4pPr>
+            <a:lvl5pPr marL="1828800" indent="0" algn="l" defTabSz="914400" rtl="0" eaLnBrk="1" latinLnBrk="0" hangingPunct="1">
+              <a:lnSpc>
+                <a:spcPct val="90000"/>
+              </a:lnSpc>
+              <a:spcBef>
+                <a:spcPts val="500"/>
+              </a:spcBef>
+              <a:buFont typeface="Arial" panose="020B0604020202020204" pitchFamily="34" charset="0"/>
+              <a:buNone/>
+              <a:defRPr sz="1000" kern="1200">
+                <a:solidFill>
+                  <a:schemeClr val="tx1"/>
+                </a:solidFill>
+                <a:latin typeface="+mn-lt"/>
+                <a:ea typeface="+mn-ea"/>
+                <a:cs typeface="+mn-cs"/>
+              </a:defRPr>
+            </a:lvl5pPr>
+            <a:lvl6pPr marL="2286000" indent="0" algn="l" defTabSz="914400" rtl="0" eaLnBrk="1" latinLnBrk="0" hangingPunct="1">
+              <a:lnSpc>
+                <a:spcPct val="90000"/>
+              </a:lnSpc>
+              <a:spcBef>
+                <a:spcPts val="500"/>
+              </a:spcBef>
+              <a:buFont typeface="Arial" panose="020B0604020202020204" pitchFamily="34" charset="0"/>
+              <a:buNone/>
+              <a:defRPr sz="1000" kern="1200">
+                <a:solidFill>
+                  <a:schemeClr val="tx1"/>
+                </a:solidFill>
+                <a:latin typeface="+mn-lt"/>
+                <a:ea typeface="+mn-ea"/>
+                <a:cs typeface="+mn-cs"/>
+              </a:defRPr>
+            </a:lvl6pPr>
+            <a:lvl7pPr marL="2743200" indent="0" algn="l" defTabSz="914400" rtl="0" eaLnBrk="1" latinLnBrk="0" hangingPunct="1">
+              <a:lnSpc>
+                <a:spcPct val="90000"/>
+              </a:lnSpc>
+              <a:spcBef>
+                <a:spcPts val="500"/>
+              </a:spcBef>
+              <a:buFont typeface="Arial" panose="020B0604020202020204" pitchFamily="34" charset="0"/>
+              <a:buNone/>
+              <a:defRPr sz="1000" kern="1200">
+                <a:solidFill>
+                  <a:schemeClr val="tx1"/>
+                </a:solidFill>
+                <a:latin typeface="+mn-lt"/>
+                <a:ea typeface="+mn-ea"/>
+                <a:cs typeface="+mn-cs"/>
+              </a:defRPr>
+            </a:lvl7pPr>
+            <a:lvl8pPr marL="3200400" indent="0" algn="l" defTabSz="914400" rtl="0" eaLnBrk="1" latinLnBrk="0" hangingPunct="1">
+              <a:lnSpc>
+                <a:spcPct val="90000"/>
+              </a:lnSpc>
+              <a:spcBef>
+                <a:spcPts val="500"/>
+              </a:spcBef>
+              <a:buFont typeface="Arial" panose="020B0604020202020204" pitchFamily="34" charset="0"/>
+              <a:buNone/>
+              <a:defRPr sz="1000" kern="1200">
+                <a:solidFill>
+                  <a:schemeClr val="tx1"/>
+                </a:solidFill>
+                <a:latin typeface="+mn-lt"/>
+                <a:ea typeface="+mn-ea"/>
+                <a:cs typeface="+mn-cs"/>
+              </a:defRPr>
+            </a:lvl8pPr>
+            <a:lvl9pPr marL="3657600" indent="0" algn="l" defTabSz="914400" rtl="0" eaLnBrk="1" latinLnBrk="0" hangingPunct="1">
+              <a:lnSpc>
+                <a:spcPct val="90000"/>
+              </a:lnSpc>
+              <a:spcBef>
+                <a:spcPts val="500"/>
+              </a:spcBef>
+              <a:buFont typeface="Arial" panose="020B0604020202020204" pitchFamily="34" charset="0"/>
+              <a:buNone/>
+              <a:defRPr sz="1000" kern="1200">
+                <a:solidFill>
+                  <a:schemeClr val="tx1"/>
+                </a:solidFill>
+                <a:latin typeface="+mn-lt"/>
+                <a:ea typeface="+mn-ea"/>
+                <a:cs typeface="+mn-cs"/>
+              </a:defRPr>
+            </a:lvl9pPr>
+          </a:lstStyle>
+          <a:p>
+            <a:pPr marL="285750" indent="-285750">
+              <a:buFont typeface="Arial" panose="020B0604020202020204" pitchFamily="34" charset="0"/>
+              <a:buChar char="•"/>
+            </a:pPr>
+            <a:r>
+              <a:rPr lang="en-US" sz="1800" dirty="0">
+                <a:latin typeface="Times New Roman" panose="02020603050405020304" pitchFamily="18" charset="0"/>
+                <a:cs typeface="Times New Roman" panose="02020603050405020304" pitchFamily="18" charset="0"/>
+              </a:rPr>
+              <a:t>The country-wise distribution of restaurant counts has been visualized to support the selection of the ideal country for expansion. This analysis helps in identifying market opportunities, assessing competition, and making data-driven decisions for strategic growth.</a:t>
+            </a:r>
+            <a:r>
+              <a:rPr lang="en-IN" sz="1800" dirty="0">
+                <a:latin typeface="Times New Roman" panose="02020603050405020304" pitchFamily="18" charset="0"/>
+                <a:cs typeface="Times New Roman" panose="02020603050405020304" pitchFamily="18" charset="0"/>
+              </a:rPr>
+              <a:t>.</a:t>
+            </a:r>
+          </a:p>
+        </p:txBody>
+      </p:sp>
+      <p:sp>
+        <p:nvSpPr>
+          <p:cNvPr id="16" name="TextBox 15">
+            <a:extLst>
+              <a:ext uri="{FF2B5EF4-FFF2-40B4-BE49-F238E27FC236}">
+                <a16:creationId xmlns:a16="http://schemas.microsoft.com/office/drawing/2014/main" id="{6437D063-D9FE-A8A0-8BF3-37FF72808699}"/>
+              </a:ext>
+            </a:extLst>
+          </p:cNvPr>
+          <p:cNvSpPr txBox="1"/>
+          <p:nvPr/>
+        </p:nvSpPr>
+        <p:spPr>
+          <a:xfrm>
+            <a:off x="1217777" y="280220"/>
+            <a:ext cx="5788373" cy="646331"/>
+          </a:xfrm>
+          <a:prstGeom prst="rect">
+            <a:avLst/>
+          </a:prstGeom>
+          <a:noFill/>
+        </p:spPr>
+        <p:txBody>
+          <a:bodyPr wrap="square" rtlCol="0">
+            <a:spAutoFit/>
+          </a:bodyPr>
+          <a:lstStyle/>
+          <a:p>
+            <a:r>
+              <a:rPr lang="en-IN" sz="3600" b="1" dirty="0">
+                <a:latin typeface="Times New Roman" panose="02020603050405020304" pitchFamily="18" charset="0"/>
+                <a:cs typeface="Times New Roman" panose="02020603050405020304" pitchFamily="18" charset="0"/>
+              </a:rPr>
+              <a:t>Visualization</a:t>
+            </a:r>
+          </a:p>
+        </p:txBody>
+      </p:sp>
+    </p:spTree>
+    <p:extLst>
+      <p:ext uri="{BB962C8B-B14F-4D97-AF65-F5344CB8AC3E}">
+        <p14:creationId xmlns:p14="http://schemas.microsoft.com/office/powerpoint/2010/main" val="630336217"/>
+      </p:ext>
+    </p:extLst>
+  </p:cSld>
+  <p:clrMapOvr>
+    <a:masterClrMapping/>
+  </p:clrMapOvr>
+</p:sld>
+</file>
+
+<file path=ppt/slides/slide14.xml><?xml version="1.0" encoding="utf-8"?>
+<p:sld xmlns:a="http://schemas.openxmlformats.org/drawingml/2006/main" xmlns:r="http://schemas.openxmlformats.org/officeDocument/2006/relationships" xmlns:p="http://schemas.openxmlformats.org/presentationml/2006/main">
+  <p:cSld>
+    <p:spTree>
+      <p:nvGrpSpPr>
+        <p:cNvPr id="1" name=""/>
+        <p:cNvGrpSpPr/>
+        <p:nvPr/>
+      </p:nvGrpSpPr>
+      <p:grpSpPr>
+        <a:xfrm>
+          <a:off x="0" y="0"/>
+          <a:ext cx="0" cy="0"/>
+          <a:chOff x="0" y="0"/>
+          <a:chExt cx="0" cy="0"/>
+        </a:xfrm>
+      </p:grpSpPr>
+      <p:sp>
+        <p:nvSpPr>
           <p:cNvPr id="2" name="Title 1">
             <a:extLst>
               <a:ext uri="{FF2B5EF4-FFF2-40B4-BE49-F238E27FC236}">
@@ -9487,7 +10675,7 @@
 </p:sld>
 </file>
 
-<file path=ppt/slides/slide11.xml><?xml version="1.0" encoding="utf-8"?>
+<file path=ppt/slides/slide15.xml><?xml version="1.0" encoding="utf-8"?>
 <p:sld xmlns:a="http://schemas.openxmlformats.org/drawingml/2006/main" xmlns:r="http://schemas.openxmlformats.org/officeDocument/2006/relationships" xmlns:p="http://schemas.openxmlformats.org/presentationml/2006/main">
   <p:cSld>
     <p:spTree>
@@ -9789,7 +10977,7 @@
 </p:sld>
 </file>
 
-<file path=ppt/slides/slide12.xml><?xml version="1.0" encoding="utf-8"?>
+<file path=ppt/slides/slide16.xml><?xml version="1.0" encoding="utf-8"?>
 <p:sld xmlns:a="http://schemas.openxmlformats.org/drawingml/2006/main" xmlns:r="http://schemas.openxmlformats.org/officeDocument/2006/relationships" xmlns:p="http://schemas.openxmlformats.org/presentationml/2006/main">
   <p:cSld>
     <p:spTree>
@@ -10515,7 +11703,7 @@
 </p:sld>
 </file>
 
-<file path=ppt/slides/slide13.xml><?xml version="1.0" encoding="utf-8"?>
+<file path=ppt/slides/slide17.xml><?xml version="1.0" encoding="utf-8"?>
 <p:sld xmlns:a="http://schemas.openxmlformats.org/drawingml/2006/main" xmlns:r="http://schemas.openxmlformats.org/officeDocument/2006/relationships" xmlns:p="http://schemas.openxmlformats.org/presentationml/2006/main">
   <p:cSld>
     <p:spTree>
@@ -10930,7 +12118,7 @@
 </p:sld>
 </file>
 
-<file path=ppt/slides/slide14.xml><?xml version="1.0" encoding="utf-8"?>
+<file path=ppt/slides/slide18.xml><?xml version="1.0" encoding="utf-8"?>
 <p:sld xmlns:a="http://schemas.openxmlformats.org/drawingml/2006/main" xmlns:r="http://schemas.openxmlformats.org/officeDocument/2006/relationships" xmlns:p="http://schemas.openxmlformats.org/presentationml/2006/main">
   <p:cSld>
     <p:spTree>
@@ -11385,7 +12573,7 @@
 </p:sld>
 </file>
 
-<file path=ppt/slides/slide15.xml><?xml version="1.0" encoding="utf-8"?>
+<file path=ppt/slides/slide19.xml><?xml version="1.0" encoding="utf-8"?>
 <p:sld xmlns:a="http://schemas.openxmlformats.org/drawingml/2006/main" xmlns:r="http://schemas.openxmlformats.org/officeDocument/2006/relationships" xmlns:p="http://schemas.openxmlformats.org/presentationml/2006/main">
   <p:cSld>
     <p:spTree>
@@ -11483,7 +12671,156 @@
 </p:sld>
 </file>
 
-<file path=ppt/slides/slide16.xml><?xml version="1.0" encoding="utf-8"?>
+<file path=ppt/slides/slide2.xml><?xml version="1.0" encoding="utf-8"?>
+<p:sld xmlns:a="http://schemas.openxmlformats.org/drawingml/2006/main" xmlns:r="http://schemas.openxmlformats.org/officeDocument/2006/relationships" xmlns:p="http://schemas.openxmlformats.org/presentationml/2006/main">
+  <p:cSld>
+    <p:spTree>
+      <p:nvGrpSpPr>
+        <p:cNvPr id="1" name=""/>
+        <p:cNvGrpSpPr/>
+        <p:nvPr/>
+      </p:nvGrpSpPr>
+      <p:grpSpPr>
+        <a:xfrm>
+          <a:off x="0" y="0"/>
+          <a:ext cx="0" cy="0"/>
+          <a:chOff x="0" y="0"/>
+          <a:chExt cx="0" cy="0"/>
+        </a:xfrm>
+      </p:grpSpPr>
+      <p:sp>
+        <p:nvSpPr>
+          <p:cNvPr id="5" name="Title 4">
+            <a:extLst>
+              <a:ext uri="{FF2B5EF4-FFF2-40B4-BE49-F238E27FC236}">
+                <a16:creationId xmlns:a16="http://schemas.microsoft.com/office/drawing/2014/main" id="{0D6FF26C-2174-E704-8164-9B04F4B1ABC6}"/>
+              </a:ext>
+            </a:extLst>
+          </p:cNvPr>
+          <p:cNvSpPr>
+            <a:spLocks noGrp="1"/>
+          </p:cNvSpPr>
+          <p:nvPr>
+            <p:ph type="title"/>
+          </p:nvPr>
+        </p:nvSpPr>
+        <p:spPr/>
+        <p:txBody>
+          <a:bodyPr>
+            <a:normAutofit/>
+          </a:bodyPr>
+          <a:lstStyle/>
+          <a:p>
+            <a:r>
+              <a:rPr lang="en-IN" sz="3600" b="1" dirty="0">
+                <a:latin typeface="Times New Roman" panose="02020603050405020304" pitchFamily="18" charset="0"/>
+                <a:cs typeface="Times New Roman" panose="02020603050405020304" pitchFamily="18" charset="0"/>
+              </a:rPr>
+              <a:t>About company</a:t>
+            </a:r>
+          </a:p>
+        </p:txBody>
+      </p:sp>
+      <p:sp>
+        <p:nvSpPr>
+          <p:cNvPr id="6" name="Content Placeholder 5">
+            <a:extLst>
+              <a:ext uri="{FF2B5EF4-FFF2-40B4-BE49-F238E27FC236}">
+                <a16:creationId xmlns:a16="http://schemas.microsoft.com/office/drawing/2014/main" id="{5766DD83-E82F-F8D8-407C-38AE5FCA94EA}"/>
+              </a:ext>
+            </a:extLst>
+          </p:cNvPr>
+          <p:cNvSpPr>
+            <a:spLocks noGrp="1"/>
+          </p:cNvSpPr>
+          <p:nvPr>
+            <p:ph idx="1"/>
+          </p:nvPr>
+        </p:nvSpPr>
+        <p:spPr/>
+        <p:txBody>
+          <a:bodyPr/>
+          <a:lstStyle/>
+          <a:p>
+            <a:r>
+              <a:rPr lang="en-GB" sz="2000" dirty="0">
+                <a:effectLst/>
+                <a:latin typeface="Times New Roman" panose="02020603050405020304" pitchFamily="18" charset="0"/>
+                <a:ea typeface="Arial" panose="020B0604020202020204" pitchFamily="34" charset="0"/>
+                <a:cs typeface="Times New Roman" panose="02020603050405020304" pitchFamily="18" charset="0"/>
+              </a:rPr>
+              <a:t>Zomato is a leading food-tech company that connects users with restaurants for dining, delivery, and table reservations. </a:t>
+            </a:r>
+          </a:p>
+          <a:p>
+            <a:r>
+              <a:rPr lang="en-GB" sz="2000" dirty="0">
+                <a:effectLst/>
+                <a:latin typeface="Times New Roman" panose="02020603050405020304" pitchFamily="18" charset="0"/>
+                <a:ea typeface="Arial" panose="020B0604020202020204" pitchFamily="34" charset="0"/>
+                <a:cs typeface="Times New Roman" panose="02020603050405020304" pitchFamily="18" charset="0"/>
+              </a:rPr>
+              <a:t>Initially a restaurant discovery platform, it evolved into a comprehensive service catering to both customers and restaurant partners. </a:t>
+            </a:r>
+          </a:p>
+          <a:p>
+            <a:r>
+              <a:rPr lang="en-GB" sz="2000" dirty="0">
+                <a:effectLst/>
+                <a:latin typeface="Times New Roman" panose="02020603050405020304" pitchFamily="18" charset="0"/>
+                <a:ea typeface="Arial" panose="020B0604020202020204" pitchFamily="34" charset="0"/>
+                <a:cs typeface="Times New Roman" panose="02020603050405020304" pitchFamily="18" charset="0"/>
+              </a:rPr>
+              <a:t>The company enables users to browse menus, read reviews, order food, and even book tables, simplifying the dining experience. </a:t>
+            </a:r>
+          </a:p>
+          <a:p>
+            <a:r>
+              <a:rPr lang="en-GB" sz="2000" dirty="0">
+                <a:effectLst/>
+                <a:latin typeface="Times New Roman" panose="02020603050405020304" pitchFamily="18" charset="0"/>
+                <a:ea typeface="Arial" panose="020B0604020202020204" pitchFamily="34" charset="0"/>
+                <a:cs typeface="Times New Roman" panose="02020603050405020304" pitchFamily="18" charset="0"/>
+              </a:rPr>
+              <a:t>Over time, Zomato expanded its operations to multiple countries, offering diverse cuisine options and supporting local food businesses.</a:t>
+            </a:r>
+          </a:p>
+          <a:p>
+            <a:r>
+              <a:rPr lang="en-GB" sz="2000" dirty="0">
+                <a:effectLst/>
+                <a:latin typeface="Times New Roman" panose="02020603050405020304" pitchFamily="18" charset="0"/>
+                <a:ea typeface="Arial" panose="020B0604020202020204" pitchFamily="34" charset="0"/>
+                <a:cs typeface="Times New Roman" panose="02020603050405020304" pitchFamily="18" charset="0"/>
+              </a:rPr>
+              <a:t> Competing with major players in the industry, Zomato continues to innovate by improving accessibility, affordability, and food quality, making it a key player in the online food ecosystem</a:t>
+            </a:r>
+            <a:endParaRPr lang="en-IN" sz="2000" dirty="0">
+              <a:effectLst/>
+              <a:latin typeface="Times New Roman" panose="02020603050405020304" pitchFamily="18" charset="0"/>
+              <a:ea typeface="Arial" panose="020B0604020202020204" pitchFamily="34" charset="0"/>
+              <a:cs typeface="Times New Roman" panose="02020603050405020304" pitchFamily="18" charset="0"/>
+            </a:endParaRPr>
+          </a:p>
+          <a:p>
+            <a:endParaRPr lang="en-IN" dirty="0"/>
+          </a:p>
+        </p:txBody>
+      </p:sp>
+    </p:spTree>
+    <p:extLst>
+      <p:ext uri="{BB962C8B-B14F-4D97-AF65-F5344CB8AC3E}">
+        <p14:creationId xmlns:p14="http://schemas.microsoft.com/office/powerpoint/2010/main" val="275334110"/>
+      </p:ext>
+    </p:extLst>
+  </p:cSld>
+  <p:clrMapOvr>
+    <a:masterClrMapping/>
+  </p:clrMapOvr>
+</p:sld>
+</file>
+
+<file path=ppt/slides/slide20.xml><?xml version="1.0" encoding="utf-8"?>
 <p:sld xmlns:a="http://schemas.openxmlformats.org/drawingml/2006/main" xmlns:r="http://schemas.openxmlformats.org/officeDocument/2006/relationships" xmlns:p="http://schemas.openxmlformats.org/presentationml/2006/main">
   <p:cSld>
     <p:spTree>
@@ -11653,7 +12990,7 @@
 </p:sld>
 </file>
 
-<file path=ppt/slides/slide17.xml><?xml version="1.0" encoding="utf-8"?>
+<file path=ppt/slides/slide21.xml><?xml version="1.0" encoding="utf-8"?>
 <p:sld xmlns:a="http://schemas.openxmlformats.org/drawingml/2006/main" xmlns:r="http://schemas.openxmlformats.org/officeDocument/2006/relationships" xmlns:p="http://schemas.openxmlformats.org/presentationml/2006/main">
   <p:cSld>
     <p:bg>
@@ -11724,155 +13061,6 @@
 </p:sld>
 </file>
 
-<file path=ppt/slides/slide2.xml><?xml version="1.0" encoding="utf-8"?>
-<p:sld xmlns:a="http://schemas.openxmlformats.org/drawingml/2006/main" xmlns:r="http://schemas.openxmlformats.org/officeDocument/2006/relationships" xmlns:p="http://schemas.openxmlformats.org/presentationml/2006/main">
-  <p:cSld>
-    <p:spTree>
-      <p:nvGrpSpPr>
-        <p:cNvPr id="1" name=""/>
-        <p:cNvGrpSpPr/>
-        <p:nvPr/>
-      </p:nvGrpSpPr>
-      <p:grpSpPr>
-        <a:xfrm>
-          <a:off x="0" y="0"/>
-          <a:ext cx="0" cy="0"/>
-          <a:chOff x="0" y="0"/>
-          <a:chExt cx="0" cy="0"/>
-        </a:xfrm>
-      </p:grpSpPr>
-      <p:sp>
-        <p:nvSpPr>
-          <p:cNvPr id="5" name="Title 4">
-            <a:extLst>
-              <a:ext uri="{FF2B5EF4-FFF2-40B4-BE49-F238E27FC236}">
-                <a16:creationId xmlns:a16="http://schemas.microsoft.com/office/drawing/2014/main" id="{0D6FF26C-2174-E704-8164-9B04F4B1ABC6}"/>
-              </a:ext>
-            </a:extLst>
-          </p:cNvPr>
-          <p:cNvSpPr>
-            <a:spLocks noGrp="1"/>
-          </p:cNvSpPr>
-          <p:nvPr>
-            <p:ph type="title"/>
-          </p:nvPr>
-        </p:nvSpPr>
-        <p:spPr/>
-        <p:txBody>
-          <a:bodyPr>
-            <a:normAutofit/>
-          </a:bodyPr>
-          <a:lstStyle/>
-          <a:p>
-            <a:r>
-              <a:rPr lang="en-IN" sz="3600" b="1" dirty="0">
-                <a:latin typeface="Times New Roman" panose="02020603050405020304" pitchFamily="18" charset="0"/>
-                <a:cs typeface="Times New Roman" panose="02020603050405020304" pitchFamily="18" charset="0"/>
-              </a:rPr>
-              <a:t>About company</a:t>
-            </a:r>
-          </a:p>
-        </p:txBody>
-      </p:sp>
-      <p:sp>
-        <p:nvSpPr>
-          <p:cNvPr id="6" name="Content Placeholder 5">
-            <a:extLst>
-              <a:ext uri="{FF2B5EF4-FFF2-40B4-BE49-F238E27FC236}">
-                <a16:creationId xmlns:a16="http://schemas.microsoft.com/office/drawing/2014/main" id="{5766DD83-E82F-F8D8-407C-38AE5FCA94EA}"/>
-              </a:ext>
-            </a:extLst>
-          </p:cNvPr>
-          <p:cNvSpPr>
-            <a:spLocks noGrp="1"/>
-          </p:cNvSpPr>
-          <p:nvPr>
-            <p:ph idx="1"/>
-          </p:nvPr>
-        </p:nvSpPr>
-        <p:spPr/>
-        <p:txBody>
-          <a:bodyPr/>
-          <a:lstStyle/>
-          <a:p>
-            <a:r>
-              <a:rPr lang="en-GB" sz="2000" dirty="0">
-                <a:effectLst/>
-                <a:latin typeface="Times New Roman" panose="02020603050405020304" pitchFamily="18" charset="0"/>
-                <a:ea typeface="Arial" panose="020B0604020202020204" pitchFamily="34" charset="0"/>
-                <a:cs typeface="Times New Roman" panose="02020603050405020304" pitchFamily="18" charset="0"/>
-              </a:rPr>
-              <a:t>Zomato is a leading food-tech company that connects users with restaurants for dining, delivery, and table reservations. </a:t>
-            </a:r>
-          </a:p>
-          <a:p>
-            <a:r>
-              <a:rPr lang="en-GB" sz="2000" dirty="0">
-                <a:effectLst/>
-                <a:latin typeface="Times New Roman" panose="02020603050405020304" pitchFamily="18" charset="0"/>
-                <a:ea typeface="Arial" panose="020B0604020202020204" pitchFamily="34" charset="0"/>
-                <a:cs typeface="Times New Roman" panose="02020603050405020304" pitchFamily="18" charset="0"/>
-              </a:rPr>
-              <a:t>Initially a restaurant discovery platform, it evolved into a comprehensive service catering to both customers and restaurant partners. </a:t>
-            </a:r>
-          </a:p>
-          <a:p>
-            <a:r>
-              <a:rPr lang="en-GB" sz="2000" dirty="0">
-                <a:effectLst/>
-                <a:latin typeface="Times New Roman" panose="02020603050405020304" pitchFamily="18" charset="0"/>
-                <a:ea typeface="Arial" panose="020B0604020202020204" pitchFamily="34" charset="0"/>
-                <a:cs typeface="Times New Roman" panose="02020603050405020304" pitchFamily="18" charset="0"/>
-              </a:rPr>
-              <a:t>The company enables users to browse menus, read reviews, order food, and even book tables, simplifying the dining experience. </a:t>
-            </a:r>
-          </a:p>
-          <a:p>
-            <a:r>
-              <a:rPr lang="en-GB" sz="2000" dirty="0">
-                <a:effectLst/>
-                <a:latin typeface="Times New Roman" panose="02020603050405020304" pitchFamily="18" charset="0"/>
-                <a:ea typeface="Arial" panose="020B0604020202020204" pitchFamily="34" charset="0"/>
-                <a:cs typeface="Times New Roman" panose="02020603050405020304" pitchFamily="18" charset="0"/>
-              </a:rPr>
-              <a:t>Over time, Zomato expanded its operations to multiple countries, offering diverse cuisine options and supporting local food businesses.</a:t>
-            </a:r>
-          </a:p>
-          <a:p>
-            <a:r>
-              <a:rPr lang="en-GB" sz="2000" dirty="0">
-                <a:effectLst/>
-                <a:latin typeface="Times New Roman" panose="02020603050405020304" pitchFamily="18" charset="0"/>
-                <a:ea typeface="Arial" panose="020B0604020202020204" pitchFamily="34" charset="0"/>
-                <a:cs typeface="Times New Roman" panose="02020603050405020304" pitchFamily="18" charset="0"/>
-              </a:rPr>
-              <a:t> Competing with major players in the industry, Zomato continues to innovate by improving accessibility, affordability, and food quality, making it a key player in the online food ecosystem</a:t>
-            </a:r>
-            <a:endParaRPr lang="en-IN" sz="2000" dirty="0">
-              <a:effectLst/>
-              <a:latin typeface="Times New Roman" panose="02020603050405020304" pitchFamily="18" charset="0"/>
-              <a:ea typeface="Arial" panose="020B0604020202020204" pitchFamily="34" charset="0"/>
-              <a:cs typeface="Times New Roman" panose="02020603050405020304" pitchFamily="18" charset="0"/>
-            </a:endParaRPr>
-          </a:p>
-          <a:p>
-            <a:endParaRPr lang="en-IN" dirty="0"/>
-          </a:p>
-        </p:txBody>
-      </p:sp>
-    </p:spTree>
-    <p:extLst>
-      <p:ext uri="{BB962C8B-B14F-4D97-AF65-F5344CB8AC3E}">
-        <p14:creationId xmlns:p14="http://schemas.microsoft.com/office/powerpoint/2010/main" val="275334110"/>
-      </p:ext>
-    </p:extLst>
-  </p:cSld>
-  <p:clrMapOvr>
-    <a:masterClrMapping/>
-  </p:clrMapOvr>
-</p:sld>
-</file>
-
 <file path=ppt/slides/slide3.xml><?xml version="1.0" encoding="utf-8"?>
 <p:sld xmlns:a="http://schemas.openxmlformats.org/drawingml/2006/main" xmlns:r="http://schemas.openxmlformats.org/officeDocument/2006/relationships" xmlns:p="http://schemas.openxmlformats.org/presentationml/2006/main">
   <p:cSld>
@@ -12501,7 +13689,7 @@
           <p:cNvPr id="2" name="Title 1">
             <a:extLst>
               <a:ext uri="{FF2B5EF4-FFF2-40B4-BE49-F238E27FC236}">
-                <a16:creationId xmlns:a16="http://schemas.microsoft.com/office/drawing/2014/main" id="{3B55F5AB-3548-A574-C1AD-B932AF9C8B48}"/>
+                <a16:creationId xmlns:a16="http://schemas.microsoft.com/office/drawing/2014/main" id="{D0D7A0DC-FC6E-645B-2680-1D7094960BFD}"/>
               </a:ext>
             </a:extLst>
           </p:cNvPr>
@@ -12512,7 +13700,12 @@
             <p:ph type="title"/>
           </p:nvPr>
         </p:nvSpPr>
-        <p:spPr/>
+        <p:spPr>
+          <a:xfrm>
+            <a:off x="838200" y="383458"/>
+            <a:ext cx="10515600" cy="913940"/>
+          </a:xfrm>
+        </p:spPr>
         <p:txBody>
           <a:bodyPr>
             <a:normAutofit/>
@@ -12524,7 +13717,7 @@
                 <a:latin typeface="Times New Roman" panose="02020603050405020304" pitchFamily="18" charset="0"/>
                 <a:cs typeface="Times New Roman" panose="02020603050405020304" pitchFamily="18" charset="0"/>
               </a:rPr>
-              <a:t>Objective Key Metrics </a:t>
+              <a:t>Approach</a:t>
             </a:r>
           </a:p>
         </p:txBody>
@@ -12534,7 +13727,7 @@
           <p:cNvPr id="3" name="Content Placeholder 2">
             <a:extLst>
               <a:ext uri="{FF2B5EF4-FFF2-40B4-BE49-F238E27FC236}">
-                <a16:creationId xmlns:a16="http://schemas.microsoft.com/office/drawing/2014/main" id="{FDF7764F-8663-7312-7186-5F1126E46812}"/>
+                <a16:creationId xmlns:a16="http://schemas.microsoft.com/office/drawing/2014/main" id="{0AA02AF1-058E-F454-1A2C-E9305F27EAE9}"/>
               </a:ext>
             </a:extLst>
           </p:cNvPr>
@@ -12545,190 +13738,175 @@
             <p:ph idx="1"/>
           </p:nvPr>
         </p:nvSpPr>
-        <p:spPr/>
+        <p:spPr>
+          <a:xfrm>
+            <a:off x="838200" y="1297398"/>
+            <a:ext cx="10515600" cy="4919304"/>
+          </a:xfrm>
+        </p:spPr>
         <p:txBody>
           <a:bodyPr>
-            <a:normAutofit/>
+            <a:normAutofit fontScale="92500" lnSpcReduction="20000"/>
           </a:bodyPr>
           <a:lstStyle/>
           <a:p>
             <a:r>
-              <a:rPr lang="en-IN" sz="2600" dirty="0">
-                <a:latin typeface="Times New Roman" panose="02020603050405020304" pitchFamily="18" charset="0"/>
-                <a:cs typeface="Times New Roman" panose="02020603050405020304" pitchFamily="18" charset="0"/>
-              </a:rPr>
-              <a:t>The dataset contains </a:t>
-            </a:r>
-            <a:r>
-              <a:rPr lang="en-IN" sz="2600" b="1" dirty="0">
-                <a:latin typeface="Times New Roman" panose="02020603050405020304" pitchFamily="18" charset="0"/>
-                <a:cs typeface="Times New Roman" panose="02020603050405020304" pitchFamily="18" charset="0"/>
-              </a:rPr>
-              <a:t>over 9500 records</a:t>
-            </a:r>
-            <a:r>
-              <a:rPr lang="en-IN" sz="2600" dirty="0">
-                <a:latin typeface="Times New Roman" panose="02020603050405020304" pitchFamily="18" charset="0"/>
-                <a:cs typeface="Times New Roman" panose="02020603050405020304" pitchFamily="18" charset="0"/>
-              </a:rPr>
-              <a:t>.</a:t>
-            </a:r>
-          </a:p>
-          <a:p>
-            <a:r>
-              <a:rPr lang="en-IN" sz="2600" dirty="0">
-                <a:latin typeface="Times New Roman" panose="02020603050405020304" pitchFamily="18" charset="0"/>
-                <a:cs typeface="Times New Roman" panose="02020603050405020304" pitchFamily="18" charset="0"/>
-              </a:rPr>
-              <a:t>It includes data from </a:t>
-            </a:r>
-            <a:r>
-              <a:rPr lang="en-IN" sz="2600" b="1" dirty="0">
-                <a:latin typeface="Times New Roman" panose="02020603050405020304" pitchFamily="18" charset="0"/>
-                <a:cs typeface="Times New Roman" panose="02020603050405020304" pitchFamily="18" charset="0"/>
-              </a:rPr>
-              <a:t>15 countries </a:t>
-            </a:r>
-            <a:r>
-              <a:rPr lang="en-IN" sz="2600" dirty="0">
-                <a:latin typeface="Times New Roman" panose="02020603050405020304" pitchFamily="18" charset="0"/>
-                <a:cs typeface="Times New Roman" panose="02020603050405020304" pitchFamily="18" charset="0"/>
-              </a:rPr>
-              <a:t>and </a:t>
-            </a:r>
-            <a:r>
-              <a:rPr lang="en-IN" sz="2600" b="1" dirty="0">
-                <a:latin typeface="Times New Roman" panose="02020603050405020304" pitchFamily="18" charset="0"/>
-                <a:cs typeface="Times New Roman" panose="02020603050405020304" pitchFamily="18" charset="0"/>
-              </a:rPr>
-              <a:t>140 cities</a:t>
-            </a:r>
-            <a:r>
-              <a:rPr lang="en-IN" sz="2600" dirty="0">
-                <a:latin typeface="Times New Roman" panose="02020603050405020304" pitchFamily="18" charset="0"/>
-                <a:cs typeface="Times New Roman" panose="02020603050405020304" pitchFamily="18" charset="0"/>
-              </a:rPr>
-              <a:t>.</a:t>
-            </a:r>
-          </a:p>
-          <a:p>
-            <a:r>
-              <a:rPr lang="en-IN" sz="2600" dirty="0">
-                <a:latin typeface="Times New Roman" panose="02020603050405020304" pitchFamily="18" charset="0"/>
-                <a:cs typeface="Times New Roman" panose="02020603050405020304" pitchFamily="18" charset="0"/>
-              </a:rPr>
-              <a:t>There are </a:t>
-            </a:r>
-            <a:r>
-              <a:rPr lang="en-IN" sz="2600" b="1" dirty="0">
-                <a:latin typeface="Times New Roman" panose="02020603050405020304" pitchFamily="18" charset="0"/>
-                <a:cs typeface="Times New Roman" panose="02020603050405020304" pitchFamily="18" charset="0"/>
-              </a:rPr>
-              <a:t>9542 restaurants </a:t>
-            </a:r>
-            <a:r>
-              <a:rPr lang="en-IN" sz="2600" dirty="0">
-                <a:latin typeface="Times New Roman" panose="02020603050405020304" pitchFamily="18" charset="0"/>
-                <a:cs typeface="Times New Roman" panose="02020603050405020304" pitchFamily="18" charset="0"/>
-              </a:rPr>
-              <a:t>represented in the data .</a:t>
-            </a:r>
-          </a:p>
-          <a:p>
-            <a:r>
-              <a:rPr lang="en-IN" sz="2600" dirty="0">
-                <a:latin typeface="Times New Roman" panose="02020603050405020304" pitchFamily="18" charset="0"/>
-                <a:cs typeface="Times New Roman" panose="02020603050405020304" pitchFamily="18" charset="0"/>
-              </a:rPr>
-              <a:t>These restaurants serve </a:t>
-            </a:r>
-            <a:r>
-              <a:rPr lang="en-IN" sz="2600" b="1" dirty="0">
-                <a:latin typeface="Times New Roman" panose="02020603050405020304" pitchFamily="18" charset="0"/>
-                <a:cs typeface="Times New Roman" panose="02020603050405020304" pitchFamily="18" charset="0"/>
-              </a:rPr>
-              <a:t>1825 different cuisines</a:t>
-            </a:r>
-            <a:r>
-              <a:rPr lang="en-IN" sz="2600" dirty="0">
-                <a:latin typeface="Times New Roman" panose="02020603050405020304" pitchFamily="18" charset="0"/>
-                <a:cs typeface="Times New Roman" panose="02020603050405020304" pitchFamily="18" charset="0"/>
-              </a:rPr>
-              <a:t>. </a:t>
-            </a:r>
-          </a:p>
-          <a:p>
-            <a:r>
-              <a:rPr lang="en-IN" sz="2600" dirty="0">
-                <a:latin typeface="Times New Roman" panose="02020603050405020304" pitchFamily="18" charset="0"/>
-                <a:cs typeface="Times New Roman" panose="02020603050405020304" pitchFamily="18" charset="0"/>
-              </a:rPr>
-              <a:t>The overall </a:t>
-            </a:r>
-            <a:r>
-              <a:rPr lang="en-IN" sz="2600" b="1" dirty="0">
-                <a:latin typeface="Times New Roman" panose="02020603050405020304" pitchFamily="18" charset="0"/>
-                <a:cs typeface="Times New Roman" panose="02020603050405020304" pitchFamily="18" charset="0"/>
-              </a:rPr>
-              <a:t>average rating </a:t>
-            </a:r>
-            <a:r>
-              <a:rPr lang="en-IN" sz="2600" dirty="0">
-                <a:latin typeface="Times New Roman" panose="02020603050405020304" pitchFamily="18" charset="0"/>
-                <a:cs typeface="Times New Roman" panose="02020603050405020304" pitchFamily="18" charset="0"/>
-              </a:rPr>
-              <a:t>across all the restaurant is </a:t>
-            </a:r>
-            <a:r>
-              <a:rPr lang="en-IN" sz="2600" b="1" dirty="0">
-                <a:latin typeface="Times New Roman" panose="02020603050405020304" pitchFamily="18" charset="0"/>
-                <a:cs typeface="Times New Roman" panose="02020603050405020304" pitchFamily="18" charset="0"/>
-              </a:rPr>
-              <a:t>2.9</a:t>
-            </a:r>
-            <a:r>
-              <a:rPr lang="en-IN" sz="2600" dirty="0">
-                <a:latin typeface="Times New Roman" panose="02020603050405020304" pitchFamily="18" charset="0"/>
-                <a:cs typeface="Times New Roman" panose="02020603050405020304" pitchFamily="18" charset="0"/>
-              </a:rPr>
-              <a:t>.</a:t>
-            </a:r>
-          </a:p>
-          <a:p>
-            <a:r>
-              <a:rPr lang="en-IN" sz="2600" dirty="0">
-                <a:latin typeface="Times New Roman" panose="02020603050405020304" pitchFamily="18" charset="0"/>
-                <a:cs typeface="Times New Roman" panose="02020603050405020304" pitchFamily="18" charset="0"/>
-              </a:rPr>
-              <a:t>The </a:t>
-            </a:r>
-            <a:r>
-              <a:rPr lang="en-IN" sz="2600" b="1" dirty="0">
-                <a:latin typeface="Times New Roman" panose="02020603050405020304" pitchFamily="18" charset="0"/>
-                <a:cs typeface="Times New Roman" panose="02020603050405020304" pitchFamily="18" charset="0"/>
-              </a:rPr>
-              <a:t>average number of votes </a:t>
-            </a:r>
-            <a:r>
-              <a:rPr lang="en-IN" sz="2600" dirty="0">
-                <a:latin typeface="Times New Roman" panose="02020603050405020304" pitchFamily="18" charset="0"/>
-                <a:cs typeface="Times New Roman" panose="02020603050405020304" pitchFamily="18" charset="0"/>
-              </a:rPr>
-              <a:t>received per restaurant across the dataset is </a:t>
-            </a:r>
-            <a:r>
-              <a:rPr lang="en-IN" sz="2600" b="1" dirty="0">
-                <a:latin typeface="Times New Roman" panose="02020603050405020304" pitchFamily="18" charset="0"/>
-                <a:cs typeface="Times New Roman" panose="02020603050405020304" pitchFamily="18" charset="0"/>
-              </a:rPr>
-              <a:t>156</a:t>
-            </a:r>
-            <a:r>
-              <a:rPr lang="en-IN" sz="2600" dirty="0">
-                <a:latin typeface="Times New Roman" panose="02020603050405020304" pitchFamily="18" charset="0"/>
-                <a:cs typeface="Times New Roman" panose="02020603050405020304" pitchFamily="18" charset="0"/>
-              </a:rPr>
-              <a:t>.</a:t>
+              <a:rPr lang="en-IN" b="1" dirty="0">
+                <a:latin typeface="Times New Roman" panose="02020603050405020304" pitchFamily="18" charset="0"/>
+                <a:cs typeface="Times New Roman" panose="02020603050405020304" pitchFamily="18" charset="0"/>
+              </a:rPr>
+              <a:t>Data Cleaning</a:t>
+            </a:r>
+          </a:p>
+          <a:p>
+            <a:pPr lvl="1"/>
+            <a:r>
+              <a:rPr lang="en-IN" sz="2200" dirty="0">
+                <a:latin typeface="Times New Roman" panose="02020603050405020304" pitchFamily="18" charset="0"/>
+                <a:cs typeface="Times New Roman" panose="02020603050405020304" pitchFamily="18" charset="0"/>
+              </a:rPr>
+              <a:t>Handling missing values in the cuisine column, duplicate check and format check.</a:t>
+            </a:r>
+          </a:p>
+          <a:p>
+            <a:pPr lvl="1"/>
+            <a:r>
+              <a:rPr lang="en-IN" sz="2200" dirty="0">
+                <a:latin typeface="Times New Roman" panose="02020603050405020304" pitchFamily="18" charset="0"/>
+                <a:cs typeface="Times New Roman" panose="02020603050405020304" pitchFamily="18" charset="0"/>
+              </a:rPr>
+              <a:t>Removed 9 null values.</a:t>
+            </a:r>
+          </a:p>
+          <a:p>
+            <a:r>
+              <a:rPr lang="en-IN" b="1" dirty="0">
+                <a:latin typeface="Times New Roman" panose="02020603050405020304" pitchFamily="18" charset="0"/>
+                <a:cs typeface="Times New Roman" panose="02020603050405020304" pitchFamily="18" charset="0"/>
+              </a:rPr>
+              <a:t>Data Transformation and column modification</a:t>
+            </a:r>
+          </a:p>
+          <a:p>
+            <a:pPr lvl="1"/>
+            <a:r>
+              <a:rPr lang="en-IN" sz="2200" dirty="0">
+                <a:latin typeface="Times New Roman" panose="02020603050405020304" pitchFamily="18" charset="0"/>
+                <a:cs typeface="Times New Roman" panose="02020603050405020304" pitchFamily="18" charset="0"/>
+              </a:rPr>
+              <a:t>Deriving month, year and quarter from DateKey_Opening.</a:t>
+            </a:r>
+          </a:p>
+          <a:p>
+            <a:pPr lvl="1"/>
+            <a:r>
+              <a:rPr lang="en-IN" sz="2200" dirty="0">
+                <a:latin typeface="Times New Roman" panose="02020603050405020304" pitchFamily="18" charset="0"/>
+                <a:cs typeface="Times New Roman" panose="02020603050405020304" pitchFamily="18" charset="0"/>
+              </a:rPr>
+              <a:t>Adding country name column from Country description to RawData using country code.</a:t>
+            </a:r>
+          </a:p>
+          <a:p>
+            <a:pPr lvl="1"/>
+            <a:r>
+              <a:rPr lang="en-IN" sz="2200" dirty="0">
+                <a:latin typeface="Times New Roman" panose="02020603050405020304" pitchFamily="18" charset="0"/>
+                <a:cs typeface="Times New Roman" panose="02020603050405020304" pitchFamily="18" charset="0"/>
+              </a:rPr>
+              <a:t>Converting different currency sources to single currency unit (INR).</a:t>
+            </a:r>
+          </a:p>
+          <a:p>
+            <a:r>
+              <a:rPr lang="en-IN" b="1" dirty="0">
+                <a:latin typeface="Times New Roman" panose="02020603050405020304" pitchFamily="18" charset="0"/>
+                <a:cs typeface="Times New Roman" panose="02020603050405020304" pitchFamily="18" charset="0"/>
+              </a:rPr>
+              <a:t>Data analysis</a:t>
+            </a:r>
+          </a:p>
+          <a:p>
+            <a:pPr lvl="1"/>
+            <a:r>
+              <a:rPr lang="en-IN" sz="2200" dirty="0">
+                <a:latin typeface="Times New Roman" panose="02020603050405020304" pitchFamily="18" charset="0"/>
+                <a:cs typeface="Times New Roman" panose="02020603050405020304" pitchFamily="18" charset="0"/>
+              </a:rPr>
+              <a:t>Using excel functions like VLOOKUP, </a:t>
+            </a:r>
+            <a:r>
+              <a:rPr lang="en-IN" sz="2200" dirty="0" err="1">
+                <a:latin typeface="Times New Roman" panose="02020603050405020304" pitchFamily="18" charset="0"/>
+                <a:cs typeface="Times New Roman" panose="02020603050405020304" pitchFamily="18" charset="0"/>
+              </a:rPr>
+              <a:t>Concat</a:t>
+            </a:r>
+            <a:r>
+              <a:rPr lang="en-IN" sz="2200" dirty="0">
+                <a:latin typeface="Times New Roman" panose="02020603050405020304" pitchFamily="18" charset="0"/>
+                <a:cs typeface="Times New Roman" panose="02020603050405020304" pitchFamily="18" charset="0"/>
+              </a:rPr>
+              <a:t>, Count and Pivot tables.</a:t>
+            </a:r>
+          </a:p>
+          <a:p>
+            <a:pPr lvl="1"/>
+            <a:r>
+              <a:rPr lang="en-IN" sz="2200" dirty="0">
+                <a:latin typeface="Times New Roman" panose="02020603050405020304" pitchFamily="18" charset="0"/>
+                <a:cs typeface="Times New Roman" panose="02020603050405020304" pitchFamily="18" charset="0"/>
+              </a:rPr>
+              <a:t>Country, Year and rating wise aggregation</a:t>
+            </a:r>
+          </a:p>
+          <a:p>
+            <a:pPr lvl="1"/>
+            <a:r>
+              <a:rPr lang="en-IN" sz="2200" dirty="0">
+                <a:latin typeface="Times New Roman" panose="02020603050405020304" pitchFamily="18" charset="0"/>
+                <a:cs typeface="Times New Roman" panose="02020603050405020304" pitchFamily="18" charset="0"/>
+              </a:rPr>
+              <a:t>Check for online delivery and table booking percentages affecting rating. </a:t>
+            </a:r>
+          </a:p>
+          <a:p>
+            <a:r>
+              <a:rPr lang="en-IN" b="1" dirty="0">
+                <a:latin typeface="Times New Roman" panose="02020603050405020304" pitchFamily="18" charset="0"/>
+                <a:cs typeface="Times New Roman" panose="02020603050405020304" pitchFamily="18" charset="0"/>
+              </a:rPr>
+              <a:t>Data Visualization</a:t>
+            </a:r>
+          </a:p>
+          <a:p>
+            <a:pPr lvl="1"/>
+            <a:r>
+              <a:rPr lang="en-IN" dirty="0">
+                <a:latin typeface="Times New Roman" panose="02020603050405020304" pitchFamily="18" charset="0"/>
+                <a:cs typeface="Times New Roman" panose="02020603050405020304" pitchFamily="18" charset="0"/>
+              </a:rPr>
+              <a:t>Conditional formatting to highlight the suggested Country and cities.</a:t>
+            </a:r>
+          </a:p>
+          <a:p>
+            <a:pPr lvl="1"/>
+            <a:r>
+              <a:rPr lang="en-IN" sz="2200" dirty="0">
+                <a:latin typeface="Times New Roman" panose="02020603050405020304" pitchFamily="18" charset="0"/>
+                <a:cs typeface="Times New Roman" panose="02020603050405020304" pitchFamily="18" charset="0"/>
+              </a:rPr>
+              <a:t>Charts created to support the analysis.</a:t>
+            </a:r>
+          </a:p>
+          <a:p>
+            <a:pPr lvl="1"/>
+            <a:r>
+              <a:rPr lang="en-IN" sz="2200" dirty="0">
+                <a:latin typeface="Times New Roman" panose="02020603050405020304" pitchFamily="18" charset="0"/>
+                <a:cs typeface="Times New Roman" panose="02020603050405020304" pitchFamily="18" charset="0"/>
+              </a:rPr>
+              <a:t>Dashboard creation for complete analysis.</a:t>
             </a:r>
           </a:p>
         </p:txBody>
@@ -12736,7 +13914,7 @@
     </p:spTree>
     <p:extLst>
       <p:ext uri="{BB962C8B-B14F-4D97-AF65-F5344CB8AC3E}">
-        <p14:creationId xmlns:p14="http://schemas.microsoft.com/office/powerpoint/2010/main" val="1220837406"/>
+        <p14:creationId xmlns:p14="http://schemas.microsoft.com/office/powerpoint/2010/main" val="1114509115"/>
       </p:ext>
     </p:extLst>
   </p:cSld>
@@ -12768,7 +13946,7 @@
           <p:cNvPr id="2" name="Title 1">
             <a:extLst>
               <a:ext uri="{FF2B5EF4-FFF2-40B4-BE49-F238E27FC236}">
-                <a16:creationId xmlns:a16="http://schemas.microsoft.com/office/drawing/2014/main" id="{D0D7A0DC-FC6E-645B-2680-1D7094960BFD}"/>
+                <a16:creationId xmlns:a16="http://schemas.microsoft.com/office/drawing/2014/main" id="{3B55F5AB-3548-A574-C1AD-B932AF9C8B48}"/>
               </a:ext>
             </a:extLst>
           </p:cNvPr>
@@ -12781,8 +13959,8 @@
         </p:nvSpPr>
         <p:spPr>
           <a:xfrm>
-            <a:off x="838200" y="383458"/>
-            <a:ext cx="10515600" cy="913940"/>
+            <a:off x="838200" y="365126"/>
+            <a:ext cx="10515600" cy="873740"/>
           </a:xfrm>
         </p:spPr>
         <p:txBody>
@@ -12796,7 +13974,7 @@
                 <a:latin typeface="Times New Roman" panose="02020603050405020304" pitchFamily="18" charset="0"/>
                 <a:cs typeface="Times New Roman" panose="02020603050405020304" pitchFamily="18" charset="0"/>
               </a:rPr>
-              <a:t>Approach</a:t>
+              <a:t>Objective Key Metrics </a:t>
             </a:r>
           </a:p>
         </p:txBody>
@@ -12806,7 +13984,7 @@
           <p:cNvPr id="3" name="Content Placeholder 2">
             <a:extLst>
               <a:ext uri="{FF2B5EF4-FFF2-40B4-BE49-F238E27FC236}">
-                <a16:creationId xmlns:a16="http://schemas.microsoft.com/office/drawing/2014/main" id="{0AA02AF1-058E-F454-1A2C-E9305F27EAE9}"/>
+                <a16:creationId xmlns:a16="http://schemas.microsoft.com/office/drawing/2014/main" id="{FDF7764F-8663-7312-7186-5F1126E46812}"/>
               </a:ext>
             </a:extLst>
           </p:cNvPr>
@@ -12819,181 +13997,261 @@
         </p:nvSpPr>
         <p:spPr>
           <a:xfrm>
-            <a:off x="838200" y="1297398"/>
-            <a:ext cx="10515600" cy="4919304"/>
+            <a:off x="838200" y="2612206"/>
+            <a:ext cx="10515600" cy="3880668"/>
           </a:xfrm>
         </p:spPr>
         <p:txBody>
           <a:bodyPr>
-            <a:normAutofit fontScale="92500" lnSpcReduction="20000"/>
+            <a:normAutofit/>
           </a:bodyPr>
           <a:lstStyle/>
           <a:p>
             <a:r>
-              <a:rPr lang="en-IN" b="1" dirty="0">
-                <a:latin typeface="Times New Roman" panose="02020603050405020304" pitchFamily="18" charset="0"/>
-                <a:cs typeface="Times New Roman" panose="02020603050405020304" pitchFamily="18" charset="0"/>
-              </a:rPr>
-              <a:t>Data Cleaning</a:t>
-            </a:r>
-          </a:p>
-          <a:p>
-            <a:pPr lvl="1"/>
-            <a:r>
-              <a:rPr lang="en-IN" sz="2200" dirty="0">
-                <a:latin typeface="Times New Roman" panose="02020603050405020304" pitchFamily="18" charset="0"/>
-                <a:cs typeface="Times New Roman" panose="02020603050405020304" pitchFamily="18" charset="0"/>
-              </a:rPr>
-              <a:t>Handling missing values in the cuisine column, duplicate check and format check.</a:t>
-            </a:r>
-          </a:p>
-          <a:p>
-            <a:pPr lvl="1"/>
-            <a:r>
-              <a:rPr lang="en-IN" sz="2200" dirty="0">
-                <a:latin typeface="Times New Roman" panose="02020603050405020304" pitchFamily="18" charset="0"/>
-                <a:cs typeface="Times New Roman" panose="02020603050405020304" pitchFamily="18" charset="0"/>
-              </a:rPr>
-              <a:t>Removed 9 null values.</a:t>
-            </a:r>
-          </a:p>
-          <a:p>
-            <a:r>
-              <a:rPr lang="en-IN" b="1" dirty="0">
-                <a:latin typeface="Times New Roman" panose="02020603050405020304" pitchFamily="18" charset="0"/>
-                <a:cs typeface="Times New Roman" panose="02020603050405020304" pitchFamily="18" charset="0"/>
-              </a:rPr>
-              <a:t>Data Transformation and column modification</a:t>
-            </a:r>
-          </a:p>
-          <a:p>
-            <a:pPr lvl="1"/>
-            <a:r>
-              <a:rPr lang="en-IN" sz="2200" dirty="0">
-                <a:latin typeface="Times New Roman" panose="02020603050405020304" pitchFamily="18" charset="0"/>
-                <a:cs typeface="Times New Roman" panose="02020603050405020304" pitchFamily="18" charset="0"/>
-              </a:rPr>
-              <a:t>Deriving month, year and quarter from DateKey_Opening.</a:t>
-            </a:r>
-          </a:p>
-          <a:p>
-            <a:pPr lvl="1"/>
-            <a:r>
-              <a:rPr lang="en-IN" sz="2200" dirty="0">
-                <a:latin typeface="Times New Roman" panose="02020603050405020304" pitchFamily="18" charset="0"/>
-                <a:cs typeface="Times New Roman" panose="02020603050405020304" pitchFamily="18" charset="0"/>
-              </a:rPr>
-              <a:t>Adding country name column from Country description to RawData using country code.</a:t>
-            </a:r>
-          </a:p>
-          <a:p>
-            <a:pPr lvl="1"/>
-            <a:r>
-              <a:rPr lang="en-IN" sz="2200" dirty="0">
-                <a:latin typeface="Times New Roman" panose="02020603050405020304" pitchFamily="18" charset="0"/>
-                <a:cs typeface="Times New Roman" panose="02020603050405020304" pitchFamily="18" charset="0"/>
-              </a:rPr>
-              <a:t>Converting different currency sources to single currency unit (INR).</a:t>
-            </a:r>
-          </a:p>
-          <a:p>
-            <a:r>
-              <a:rPr lang="en-IN" b="1" dirty="0">
-                <a:latin typeface="Times New Roman" panose="02020603050405020304" pitchFamily="18" charset="0"/>
-                <a:cs typeface="Times New Roman" panose="02020603050405020304" pitchFamily="18" charset="0"/>
-              </a:rPr>
-              <a:t>Data analysis</a:t>
-            </a:r>
-          </a:p>
-          <a:p>
-            <a:pPr lvl="1"/>
-            <a:r>
-              <a:rPr lang="en-IN" sz="2200" dirty="0">
-                <a:latin typeface="Times New Roman" panose="02020603050405020304" pitchFamily="18" charset="0"/>
-                <a:cs typeface="Times New Roman" panose="02020603050405020304" pitchFamily="18" charset="0"/>
-              </a:rPr>
-              <a:t>Using excel functions like VLOOKUP, </a:t>
-            </a:r>
-            <a:r>
-              <a:rPr lang="en-IN" sz="2200" dirty="0" err="1">
-                <a:latin typeface="Times New Roman" panose="02020603050405020304" pitchFamily="18" charset="0"/>
-                <a:cs typeface="Times New Roman" panose="02020603050405020304" pitchFamily="18" charset="0"/>
-              </a:rPr>
-              <a:t>Concat</a:t>
-            </a:r>
-            <a:r>
-              <a:rPr lang="en-IN" sz="2200" dirty="0">
-                <a:latin typeface="Times New Roman" panose="02020603050405020304" pitchFamily="18" charset="0"/>
-                <a:cs typeface="Times New Roman" panose="02020603050405020304" pitchFamily="18" charset="0"/>
-              </a:rPr>
-              <a:t>, Count and Pivot tables.</a:t>
-            </a:r>
-          </a:p>
-          <a:p>
-            <a:pPr lvl="1"/>
-            <a:r>
-              <a:rPr lang="en-IN" sz="2200" dirty="0">
-                <a:latin typeface="Times New Roman" panose="02020603050405020304" pitchFamily="18" charset="0"/>
-                <a:cs typeface="Times New Roman" panose="02020603050405020304" pitchFamily="18" charset="0"/>
-              </a:rPr>
-              <a:t>Country, Year and rating wise aggregation</a:t>
-            </a:r>
-          </a:p>
-          <a:p>
-            <a:pPr lvl="1"/>
-            <a:r>
-              <a:rPr lang="en-IN" sz="2200" dirty="0">
-                <a:latin typeface="Times New Roman" panose="02020603050405020304" pitchFamily="18" charset="0"/>
-                <a:cs typeface="Times New Roman" panose="02020603050405020304" pitchFamily="18" charset="0"/>
-              </a:rPr>
-              <a:t>Check for online delivery and table booking percentages affecting rating. </a:t>
-            </a:r>
-          </a:p>
-          <a:p>
-            <a:r>
-              <a:rPr lang="en-IN" b="1" dirty="0">
-                <a:latin typeface="Times New Roman" panose="02020603050405020304" pitchFamily="18" charset="0"/>
-                <a:cs typeface="Times New Roman" panose="02020603050405020304" pitchFamily="18" charset="0"/>
-              </a:rPr>
-              <a:t>Data Visualization</a:t>
-            </a:r>
-          </a:p>
-          <a:p>
-            <a:pPr lvl="1"/>
-            <a:r>
-              <a:rPr lang="en-IN" dirty="0">
-                <a:latin typeface="Times New Roman" panose="02020603050405020304" pitchFamily="18" charset="0"/>
-                <a:cs typeface="Times New Roman" panose="02020603050405020304" pitchFamily="18" charset="0"/>
-              </a:rPr>
-              <a:t>Conditional formatting to highlight the suggested Country and cities.</a:t>
-            </a:r>
-          </a:p>
-          <a:p>
-            <a:pPr lvl="1"/>
-            <a:r>
-              <a:rPr lang="en-IN" sz="2200" dirty="0">
-                <a:latin typeface="Times New Roman" panose="02020603050405020304" pitchFamily="18" charset="0"/>
-                <a:cs typeface="Times New Roman" panose="02020603050405020304" pitchFamily="18" charset="0"/>
-              </a:rPr>
-              <a:t>Charts created to support the analysis.</a:t>
-            </a:r>
-          </a:p>
-          <a:p>
-            <a:pPr lvl="1"/>
-            <a:r>
-              <a:rPr lang="en-IN" sz="2200" dirty="0">
-                <a:latin typeface="Times New Roman" panose="02020603050405020304" pitchFamily="18" charset="0"/>
-                <a:cs typeface="Times New Roman" panose="02020603050405020304" pitchFamily="18" charset="0"/>
-              </a:rPr>
-              <a:t>Dashboard creation for complete analysis.</a:t>
+              <a:rPr lang="en-IN" sz="2600" dirty="0">
+                <a:latin typeface="Times New Roman" panose="02020603050405020304" pitchFamily="18" charset="0"/>
+                <a:cs typeface="Times New Roman" panose="02020603050405020304" pitchFamily="18" charset="0"/>
+              </a:rPr>
+              <a:t>The dataset contains </a:t>
+            </a:r>
+            <a:r>
+              <a:rPr lang="en-IN" sz="2600" b="1" dirty="0">
+                <a:latin typeface="Times New Roman" panose="02020603050405020304" pitchFamily="18" charset="0"/>
+                <a:cs typeface="Times New Roman" panose="02020603050405020304" pitchFamily="18" charset="0"/>
+              </a:rPr>
+              <a:t>over 9500 records</a:t>
+            </a:r>
+            <a:r>
+              <a:rPr lang="en-IN" sz="2600" dirty="0">
+                <a:latin typeface="Times New Roman" panose="02020603050405020304" pitchFamily="18" charset="0"/>
+                <a:cs typeface="Times New Roman" panose="02020603050405020304" pitchFamily="18" charset="0"/>
+              </a:rPr>
+              <a:t>.</a:t>
+            </a:r>
+          </a:p>
+          <a:p>
+            <a:r>
+              <a:rPr lang="en-IN" sz="2600" dirty="0">
+                <a:latin typeface="Times New Roman" panose="02020603050405020304" pitchFamily="18" charset="0"/>
+                <a:cs typeface="Times New Roman" panose="02020603050405020304" pitchFamily="18" charset="0"/>
+              </a:rPr>
+              <a:t>It includes data from </a:t>
+            </a:r>
+            <a:r>
+              <a:rPr lang="en-IN" sz="2600" b="1" dirty="0">
+                <a:latin typeface="Times New Roman" panose="02020603050405020304" pitchFamily="18" charset="0"/>
+                <a:cs typeface="Times New Roman" panose="02020603050405020304" pitchFamily="18" charset="0"/>
+              </a:rPr>
+              <a:t>15 countries </a:t>
+            </a:r>
+            <a:r>
+              <a:rPr lang="en-IN" sz="2600" dirty="0">
+                <a:latin typeface="Times New Roman" panose="02020603050405020304" pitchFamily="18" charset="0"/>
+                <a:cs typeface="Times New Roman" panose="02020603050405020304" pitchFamily="18" charset="0"/>
+              </a:rPr>
+              <a:t>and </a:t>
+            </a:r>
+            <a:r>
+              <a:rPr lang="en-IN" sz="2600" b="1" dirty="0">
+                <a:latin typeface="Times New Roman" panose="02020603050405020304" pitchFamily="18" charset="0"/>
+                <a:cs typeface="Times New Roman" panose="02020603050405020304" pitchFamily="18" charset="0"/>
+              </a:rPr>
+              <a:t>140 cities</a:t>
+            </a:r>
+            <a:r>
+              <a:rPr lang="en-IN" sz="2600" dirty="0">
+                <a:latin typeface="Times New Roman" panose="02020603050405020304" pitchFamily="18" charset="0"/>
+                <a:cs typeface="Times New Roman" panose="02020603050405020304" pitchFamily="18" charset="0"/>
+              </a:rPr>
+              <a:t>.</a:t>
+            </a:r>
+          </a:p>
+          <a:p>
+            <a:r>
+              <a:rPr lang="en-IN" sz="2600" dirty="0">
+                <a:latin typeface="Times New Roman" panose="02020603050405020304" pitchFamily="18" charset="0"/>
+                <a:cs typeface="Times New Roman" panose="02020603050405020304" pitchFamily="18" charset="0"/>
+              </a:rPr>
+              <a:t>There are </a:t>
+            </a:r>
+            <a:r>
+              <a:rPr lang="en-IN" sz="2600" b="1" dirty="0">
+                <a:latin typeface="Times New Roman" panose="02020603050405020304" pitchFamily="18" charset="0"/>
+                <a:cs typeface="Times New Roman" panose="02020603050405020304" pitchFamily="18" charset="0"/>
+              </a:rPr>
+              <a:t>9542 restaurants </a:t>
+            </a:r>
+            <a:r>
+              <a:rPr lang="en-IN" sz="2600" dirty="0">
+                <a:latin typeface="Times New Roman" panose="02020603050405020304" pitchFamily="18" charset="0"/>
+                <a:cs typeface="Times New Roman" panose="02020603050405020304" pitchFamily="18" charset="0"/>
+              </a:rPr>
+              <a:t>represented in the data .</a:t>
+            </a:r>
+          </a:p>
+          <a:p>
+            <a:r>
+              <a:rPr lang="en-IN" sz="2600" dirty="0">
+                <a:latin typeface="Times New Roman" panose="02020603050405020304" pitchFamily="18" charset="0"/>
+                <a:cs typeface="Times New Roman" panose="02020603050405020304" pitchFamily="18" charset="0"/>
+              </a:rPr>
+              <a:t>These restaurants serve </a:t>
+            </a:r>
+            <a:r>
+              <a:rPr lang="en-IN" sz="2600" b="1" dirty="0">
+                <a:latin typeface="Times New Roman" panose="02020603050405020304" pitchFamily="18" charset="0"/>
+                <a:cs typeface="Times New Roman" panose="02020603050405020304" pitchFamily="18" charset="0"/>
+              </a:rPr>
+              <a:t>1825 different cuisines</a:t>
+            </a:r>
+            <a:r>
+              <a:rPr lang="en-IN" sz="2600" dirty="0">
+                <a:latin typeface="Times New Roman" panose="02020603050405020304" pitchFamily="18" charset="0"/>
+                <a:cs typeface="Times New Roman" panose="02020603050405020304" pitchFamily="18" charset="0"/>
+              </a:rPr>
+              <a:t>. </a:t>
+            </a:r>
+          </a:p>
+          <a:p>
+            <a:r>
+              <a:rPr lang="en-IN" sz="2600" dirty="0">
+                <a:latin typeface="Times New Roman" panose="02020603050405020304" pitchFamily="18" charset="0"/>
+                <a:cs typeface="Times New Roman" panose="02020603050405020304" pitchFamily="18" charset="0"/>
+              </a:rPr>
+              <a:t>The overall </a:t>
+            </a:r>
+            <a:r>
+              <a:rPr lang="en-IN" sz="2600" b="1" dirty="0">
+                <a:latin typeface="Times New Roman" panose="02020603050405020304" pitchFamily="18" charset="0"/>
+                <a:cs typeface="Times New Roman" panose="02020603050405020304" pitchFamily="18" charset="0"/>
+              </a:rPr>
+              <a:t>average rating </a:t>
+            </a:r>
+            <a:r>
+              <a:rPr lang="en-IN" sz="2600" dirty="0">
+                <a:latin typeface="Times New Roman" panose="02020603050405020304" pitchFamily="18" charset="0"/>
+                <a:cs typeface="Times New Roman" panose="02020603050405020304" pitchFamily="18" charset="0"/>
+              </a:rPr>
+              <a:t>across all the restaurant is </a:t>
+            </a:r>
+            <a:r>
+              <a:rPr lang="en-IN" sz="2600" b="1" dirty="0">
+                <a:latin typeface="Times New Roman" panose="02020603050405020304" pitchFamily="18" charset="0"/>
+                <a:cs typeface="Times New Roman" panose="02020603050405020304" pitchFamily="18" charset="0"/>
+              </a:rPr>
+              <a:t>2.9</a:t>
+            </a:r>
+            <a:r>
+              <a:rPr lang="en-IN" sz="2600" dirty="0">
+                <a:latin typeface="Times New Roman" panose="02020603050405020304" pitchFamily="18" charset="0"/>
+                <a:cs typeface="Times New Roman" panose="02020603050405020304" pitchFamily="18" charset="0"/>
+              </a:rPr>
+              <a:t>.</a:t>
+            </a:r>
+          </a:p>
+          <a:p>
+            <a:r>
+              <a:rPr lang="en-IN" sz="2600" dirty="0">
+                <a:latin typeface="Times New Roman" panose="02020603050405020304" pitchFamily="18" charset="0"/>
+                <a:cs typeface="Times New Roman" panose="02020603050405020304" pitchFamily="18" charset="0"/>
+              </a:rPr>
+              <a:t>The </a:t>
+            </a:r>
+            <a:r>
+              <a:rPr lang="en-IN" sz="2600" b="1" dirty="0">
+                <a:latin typeface="Times New Roman" panose="02020603050405020304" pitchFamily="18" charset="0"/>
+                <a:cs typeface="Times New Roman" panose="02020603050405020304" pitchFamily="18" charset="0"/>
+              </a:rPr>
+              <a:t>average number of votes </a:t>
+            </a:r>
+            <a:r>
+              <a:rPr lang="en-IN" sz="2600" dirty="0">
+                <a:latin typeface="Times New Roman" panose="02020603050405020304" pitchFamily="18" charset="0"/>
+                <a:cs typeface="Times New Roman" panose="02020603050405020304" pitchFamily="18" charset="0"/>
+              </a:rPr>
+              <a:t>received per restaurant across the dataset is </a:t>
+            </a:r>
+            <a:r>
+              <a:rPr lang="en-IN" sz="2600" b="1" dirty="0">
+                <a:latin typeface="Times New Roman" panose="02020603050405020304" pitchFamily="18" charset="0"/>
+                <a:cs typeface="Times New Roman" panose="02020603050405020304" pitchFamily="18" charset="0"/>
+              </a:rPr>
+              <a:t>156</a:t>
+            </a:r>
+            <a:r>
+              <a:rPr lang="en-IN" sz="2600" dirty="0">
+                <a:latin typeface="Times New Roman" panose="02020603050405020304" pitchFamily="18" charset="0"/>
+                <a:cs typeface="Times New Roman" panose="02020603050405020304" pitchFamily="18" charset="0"/>
+              </a:rPr>
+              <a:t>.</a:t>
+            </a:r>
+          </a:p>
+          <a:p>
+            <a:r>
+              <a:rPr lang="en-IN" sz="2600" dirty="0">
+                <a:latin typeface="Times New Roman" panose="02020603050405020304" pitchFamily="18" charset="0"/>
+                <a:cs typeface="Times New Roman" panose="02020603050405020304" pitchFamily="18" charset="0"/>
+              </a:rPr>
+              <a:t>The </a:t>
+            </a:r>
+            <a:r>
+              <a:rPr lang="en-IN" sz="2600" b="1" dirty="0">
+                <a:latin typeface="Times New Roman" panose="02020603050405020304" pitchFamily="18" charset="0"/>
+                <a:cs typeface="Times New Roman" panose="02020603050405020304" pitchFamily="18" charset="0"/>
+              </a:rPr>
+              <a:t>Average Cost for 2 </a:t>
+            </a:r>
+            <a:r>
+              <a:rPr lang="en-IN" sz="2600" dirty="0">
+                <a:latin typeface="Times New Roman" panose="02020603050405020304" pitchFamily="18" charset="0"/>
+                <a:cs typeface="Times New Roman" panose="02020603050405020304" pitchFamily="18" charset="0"/>
+              </a:rPr>
+              <a:t>for as per the entire dataset is </a:t>
+            </a:r>
+            <a:r>
+              <a:rPr lang="en-IN" sz="2600" b="1" dirty="0">
+                <a:latin typeface="Times New Roman" panose="02020603050405020304" pitchFamily="18" charset="0"/>
+                <a:cs typeface="Times New Roman" panose="02020603050405020304" pitchFamily="18" charset="0"/>
+              </a:rPr>
+              <a:t>Rs.934.39</a:t>
             </a:r>
           </a:p>
         </p:txBody>
       </p:sp>
+      <p:pic>
+        <p:nvPicPr>
+          <p:cNvPr id="6" name="Picture 5">
+            <a:extLst>
+              <a:ext uri="{FF2B5EF4-FFF2-40B4-BE49-F238E27FC236}">
+                <a16:creationId xmlns:a16="http://schemas.microsoft.com/office/drawing/2014/main" id="{7A284779-25E4-EF5E-27EB-C951791EFD0F}"/>
+              </a:ext>
+            </a:extLst>
+          </p:cNvPr>
+          <p:cNvPicPr>
+            <a:picLocks noChangeAspect="1"/>
+          </p:cNvPicPr>
+          <p:nvPr/>
+        </p:nvPicPr>
+        <p:blipFill>
+          <a:blip r:embed="rId2"/>
+          <a:stretch>
+            <a:fillRect/>
+          </a:stretch>
+        </p:blipFill>
+        <p:spPr>
+          <a:xfrm>
+            <a:off x="963560" y="1396182"/>
+            <a:ext cx="9120192" cy="926672"/>
+          </a:xfrm>
+          <a:prstGeom prst="rect">
+            <a:avLst/>
+          </a:prstGeom>
+        </p:spPr>
+      </p:pic>
     </p:spTree>
     <p:extLst>
       <p:ext uri="{BB962C8B-B14F-4D97-AF65-F5344CB8AC3E}">
-        <p14:creationId xmlns:p14="http://schemas.microsoft.com/office/powerpoint/2010/main" val="1114509115"/>
+        <p14:creationId xmlns:p14="http://schemas.microsoft.com/office/powerpoint/2010/main" val="1220837406"/>
       </p:ext>
     </p:extLst>
   </p:cSld>
@@ -13025,7 +14283,7 @@
           <p:cNvPr id="4" name="Title 3">
             <a:extLst>
               <a:ext uri="{FF2B5EF4-FFF2-40B4-BE49-F238E27FC236}">
-                <a16:creationId xmlns:a16="http://schemas.microsoft.com/office/drawing/2014/main" id="{D7D5241D-E9DC-9EDD-116B-7C6FEFCACB61}"/>
+                <a16:creationId xmlns:a16="http://schemas.microsoft.com/office/drawing/2014/main" id="{9502D823-5B48-CA9C-D7C1-FEA951F207DD}"/>
               </a:ext>
             </a:extLst>
           </p:cNvPr>
@@ -13036,7 +14294,12 @@
             <p:ph type="title"/>
           </p:nvPr>
         </p:nvSpPr>
-        <p:spPr/>
+        <p:spPr>
+          <a:xfrm>
+            <a:off x="692304" y="530941"/>
+            <a:ext cx="5403696" cy="710381"/>
+          </a:xfrm>
+        </p:spPr>
         <p:txBody>
           <a:bodyPr>
             <a:normAutofit/>
@@ -13044,12 +14307,16 @@
           <a:lstStyle/>
           <a:p>
             <a:r>
-              <a:rPr lang="en-IN" sz="2800" dirty="0">
-                <a:latin typeface="Times New Roman" panose="02020603050405020304" pitchFamily="18" charset="0"/>
-                <a:cs typeface="Times New Roman" panose="02020603050405020304" pitchFamily="18" charset="0"/>
-              </a:rPr>
-              <a:t>Country wise Restaurant Count </a:t>
-            </a:r>
+              <a:rPr lang="en-US" sz="3600" dirty="0">
+                <a:latin typeface="Times New Roman" panose="02020603050405020304" pitchFamily="18" charset="0"/>
+                <a:cs typeface="Times New Roman" panose="02020603050405020304" pitchFamily="18" charset="0"/>
+              </a:rPr>
+              <a:t>Year-wise Restaurant Count </a:t>
+            </a:r>
+            <a:endParaRPr lang="en-IN" sz="3600" dirty="0">
+              <a:latin typeface="Times New Roman" panose="02020603050405020304" pitchFamily="18" charset="0"/>
+              <a:cs typeface="Times New Roman" panose="02020603050405020304" pitchFamily="18" charset="0"/>
+            </a:endParaRPr>
           </a:p>
         </p:txBody>
       </p:sp>
@@ -13058,7 +14325,7 @@
           <p:cNvPr id="6" name="Text Placeholder 5">
             <a:extLst>
               <a:ext uri="{FF2B5EF4-FFF2-40B4-BE49-F238E27FC236}">
-                <a16:creationId xmlns:a16="http://schemas.microsoft.com/office/drawing/2014/main" id="{8ECD861B-9A4A-ADD7-B993-93FE82BDD19B}"/>
+                <a16:creationId xmlns:a16="http://schemas.microsoft.com/office/drawing/2014/main" id="{2EABE3F4-0667-5072-D54C-087D3306CF5F}"/>
               </a:ext>
             </a:extLst>
           </p:cNvPr>
@@ -13071,8 +14338,8 @@
         </p:nvSpPr>
         <p:spPr>
           <a:xfrm>
-            <a:off x="839788" y="2499852"/>
-            <a:ext cx="3932237" cy="3811588"/>
+            <a:off x="839788" y="2057400"/>
+            <a:ext cx="5256212" cy="3811587"/>
           </a:xfrm>
         </p:spPr>
         <p:txBody>
@@ -13086,61 +14353,219 @@
               <a:buChar char="•"/>
             </a:pPr>
             <a:r>
-              <a:rPr lang="en-IN" sz="2000" dirty="0">
-                <a:latin typeface="Times New Roman" panose="02020603050405020304" pitchFamily="18" charset="0"/>
-                <a:cs typeface="Times New Roman" panose="02020603050405020304" pitchFamily="18" charset="0"/>
-              </a:rPr>
-              <a:t>Plotted chart represents the number of number of restaurants present in each country. </a:t>
+              <a:rPr lang="en-US" sz="1800" dirty="0">
+                <a:latin typeface="Times New Roman" panose="02020603050405020304" pitchFamily="18" charset="0"/>
+                <a:cs typeface="Times New Roman" panose="02020603050405020304" pitchFamily="18" charset="0"/>
+              </a:rPr>
+              <a:t>The Following Charts shows the count of restaurants that are opened in each year.</a:t>
             </a:r>
           </a:p>
           <a:p>
             <a:pPr marL="285750" indent="-285750">
+              <a:lnSpc>
+                <a:spcPct val="107000"/>
+              </a:lnSpc>
+              <a:spcAft>
+                <a:spcPts val="800"/>
+              </a:spcAft>
               <a:buFont typeface="Arial" panose="020B0604020202020204" pitchFamily="34" charset="0"/>
               <a:buChar char="•"/>
             </a:pPr>
             <a:r>
-              <a:rPr lang="en-US" sz="2000" dirty="0">
-                <a:latin typeface="Times New Roman" panose="02020603050405020304" pitchFamily="18" charset="0"/>
-                <a:cs typeface="Times New Roman" panose="02020603050405020304" pitchFamily="18" charset="0"/>
-              </a:rPr>
-              <a:t>India accounted for the highest number of restaurants, making up </a:t>
-            </a:r>
-            <a:r>
-              <a:rPr lang="en-US" sz="2000" b="1" dirty="0">
-                <a:latin typeface="Times New Roman" panose="02020603050405020304" pitchFamily="18" charset="0"/>
-                <a:cs typeface="Times New Roman" panose="02020603050405020304" pitchFamily="18" charset="0"/>
-              </a:rPr>
-              <a:t>91.5%</a:t>
-            </a:r>
-            <a:r>
-              <a:rPr lang="en-US" sz="2000" dirty="0">
-                <a:latin typeface="Times New Roman" panose="02020603050405020304" pitchFamily="18" charset="0"/>
-                <a:cs typeface="Times New Roman" panose="02020603050405020304" pitchFamily="18" charset="0"/>
-              </a:rPr>
-              <a:t> of the total compared to other countries.</a:t>
-            </a:r>
+              <a:rPr lang="en-IN" sz="1800" kern="100" dirty="0">
+                <a:effectLst/>
+                <a:latin typeface="Times New Roman" panose="02020603050405020304" pitchFamily="18" charset="0"/>
+                <a:ea typeface="Calibri" panose="020F0502020204030204" pitchFamily="34" charset="0"/>
+                <a:cs typeface="Times New Roman" panose="02020603050405020304" pitchFamily="18" charset="0"/>
+              </a:rPr>
+              <a:t>The </a:t>
+            </a:r>
+            <a:r>
+              <a:rPr lang="en-IN" sz="1800" b="1" kern="100" dirty="0">
+                <a:effectLst/>
+                <a:latin typeface="Times New Roman" panose="02020603050405020304" pitchFamily="18" charset="0"/>
+                <a:ea typeface="Calibri" panose="020F0502020204030204" pitchFamily="34" charset="0"/>
+                <a:cs typeface="Times New Roman" panose="02020603050405020304" pitchFamily="18" charset="0"/>
+              </a:rPr>
+              <a:t>average</a:t>
+            </a:r>
+            <a:r>
+              <a:rPr lang="en-IN" sz="1800" kern="100" dirty="0">
+                <a:effectLst/>
+                <a:latin typeface="Times New Roman" panose="02020603050405020304" pitchFamily="18" charset="0"/>
+                <a:ea typeface="Calibri" panose="020F0502020204030204" pitchFamily="34" charset="0"/>
+                <a:cs typeface="Times New Roman" panose="02020603050405020304" pitchFamily="18" charset="0"/>
+              </a:rPr>
+              <a:t> number of restaurants opened per year for the last 8 years is </a:t>
+            </a:r>
+            <a:r>
+              <a:rPr lang="en-IN" sz="1800" b="1" kern="100" dirty="0">
+                <a:effectLst/>
+                <a:latin typeface="Times New Roman" panose="02020603050405020304" pitchFamily="18" charset="0"/>
+                <a:ea typeface="Calibri" panose="020F0502020204030204" pitchFamily="34" charset="0"/>
+                <a:cs typeface="Times New Roman" panose="02020603050405020304" pitchFamily="18" charset="0"/>
+              </a:rPr>
+              <a:t>1061</a:t>
+            </a:r>
+            <a:r>
+              <a:rPr lang="en-IN" sz="1800" kern="100" dirty="0">
+                <a:effectLst/>
+                <a:latin typeface="Times New Roman" panose="02020603050405020304" pitchFamily="18" charset="0"/>
+                <a:ea typeface="Calibri" panose="020F0502020204030204" pitchFamily="34" charset="0"/>
+                <a:cs typeface="Times New Roman" panose="02020603050405020304" pitchFamily="18" charset="0"/>
+              </a:rPr>
+              <a:t>.</a:t>
+            </a:r>
+            <a:endParaRPr lang="en-IN" sz="1800" kern="100" dirty="0">
+              <a:effectLst/>
+              <a:latin typeface="Calibri" panose="020F0502020204030204" pitchFamily="34" charset="0"/>
+              <a:ea typeface="Calibri" panose="020F0502020204030204" pitchFamily="34" charset="0"/>
+              <a:cs typeface="Times New Roman" panose="02020603050405020304" pitchFamily="18" charset="0"/>
+            </a:endParaRPr>
           </a:p>
           <a:p>
             <a:pPr marL="285750" indent="-285750">
+              <a:lnSpc>
+                <a:spcPct val="107000"/>
+              </a:lnSpc>
+              <a:spcAft>
+                <a:spcPts val="800"/>
+              </a:spcAft>
               <a:buFont typeface="Arial" panose="020B0604020202020204" pitchFamily="34" charset="0"/>
               <a:buChar char="•"/>
             </a:pPr>
             <a:r>
-              <a:rPr lang="en-US" sz="2000" dirty="0">
-                <a:latin typeface="Times New Roman" panose="02020603050405020304" pitchFamily="18" charset="0"/>
-                <a:cs typeface="Times New Roman" panose="02020603050405020304" pitchFamily="18" charset="0"/>
-              </a:rPr>
-              <a:t>Canada has the least with only 4 restaurants.</a:t>
-            </a:r>
+              <a:rPr lang="en-IN" sz="1800" kern="100" dirty="0">
+                <a:effectLst/>
+                <a:latin typeface="Times New Roman" panose="02020603050405020304" pitchFamily="18" charset="0"/>
+                <a:ea typeface="Calibri" panose="020F0502020204030204" pitchFamily="34" charset="0"/>
+                <a:cs typeface="Times New Roman" panose="02020603050405020304" pitchFamily="18" charset="0"/>
+              </a:rPr>
+              <a:t>However, </a:t>
+            </a:r>
+            <a:r>
+              <a:rPr lang="en-IN" sz="1800" b="1" kern="100" dirty="0">
+                <a:effectLst/>
+                <a:latin typeface="Times New Roman" panose="02020603050405020304" pitchFamily="18" charset="0"/>
+                <a:ea typeface="Calibri" panose="020F0502020204030204" pitchFamily="34" charset="0"/>
+                <a:cs typeface="Times New Roman" panose="02020603050405020304" pitchFamily="18" charset="0"/>
+              </a:rPr>
+              <a:t>2018</a:t>
+            </a:r>
+            <a:r>
+              <a:rPr lang="en-IN" sz="1800" kern="100" dirty="0">
+                <a:effectLst/>
+                <a:latin typeface="Times New Roman" panose="02020603050405020304" pitchFamily="18" charset="0"/>
+                <a:ea typeface="Calibri" panose="020F0502020204030204" pitchFamily="34" charset="0"/>
+                <a:cs typeface="Times New Roman" panose="02020603050405020304" pitchFamily="18" charset="0"/>
+              </a:rPr>
+              <a:t> has the most restaurants opened i.e. </a:t>
+            </a:r>
+            <a:r>
+              <a:rPr lang="en-IN" sz="1800" b="1" kern="100" dirty="0">
+                <a:effectLst/>
+                <a:latin typeface="Times New Roman" panose="02020603050405020304" pitchFamily="18" charset="0"/>
+                <a:ea typeface="Calibri" panose="020F0502020204030204" pitchFamily="34" charset="0"/>
+                <a:cs typeface="Times New Roman" panose="02020603050405020304" pitchFamily="18" charset="0"/>
+              </a:rPr>
+              <a:t>1102 </a:t>
+            </a:r>
+            <a:r>
+              <a:rPr lang="en-IN" sz="1800" kern="100" dirty="0">
+                <a:effectLst/>
+                <a:latin typeface="Times New Roman" panose="02020603050405020304" pitchFamily="18" charset="0"/>
+                <a:ea typeface="Calibri" panose="020F0502020204030204" pitchFamily="34" charset="0"/>
+                <a:cs typeface="Times New Roman" panose="02020603050405020304" pitchFamily="18" charset="0"/>
+              </a:rPr>
+              <a:t>and </a:t>
+            </a:r>
+            <a:r>
+              <a:rPr lang="en-IN" sz="1800" b="1" kern="100" dirty="0">
+                <a:effectLst/>
+                <a:latin typeface="Times New Roman" panose="02020603050405020304" pitchFamily="18" charset="0"/>
+                <a:ea typeface="Calibri" panose="020F0502020204030204" pitchFamily="34" charset="0"/>
+                <a:cs typeface="Times New Roman" panose="02020603050405020304" pitchFamily="18" charset="0"/>
+              </a:rPr>
+              <a:t>2012</a:t>
+            </a:r>
+            <a:r>
+              <a:rPr lang="en-IN" sz="1800" kern="100" dirty="0">
+                <a:effectLst/>
+                <a:latin typeface="Times New Roman" panose="02020603050405020304" pitchFamily="18" charset="0"/>
+                <a:ea typeface="Calibri" panose="020F0502020204030204" pitchFamily="34" charset="0"/>
+                <a:cs typeface="Times New Roman" panose="02020603050405020304" pitchFamily="18" charset="0"/>
+              </a:rPr>
+              <a:t> has the least opening of restaurants with </a:t>
+            </a:r>
+            <a:r>
+              <a:rPr lang="en-IN" sz="1800" b="1" kern="100" dirty="0">
+                <a:effectLst/>
+                <a:latin typeface="Times New Roman" panose="02020603050405020304" pitchFamily="18" charset="0"/>
+                <a:ea typeface="Calibri" panose="020F0502020204030204" pitchFamily="34" charset="0"/>
+                <a:cs typeface="Times New Roman" panose="02020603050405020304" pitchFamily="18" charset="0"/>
+              </a:rPr>
+              <a:t>1022.</a:t>
+            </a:r>
+            <a:endParaRPr lang="en-IN" sz="1800" kern="100" dirty="0">
+              <a:effectLst/>
+              <a:latin typeface="Calibri" panose="020F0502020204030204" pitchFamily="34" charset="0"/>
+              <a:ea typeface="Calibri" panose="020F0502020204030204" pitchFamily="34" charset="0"/>
+              <a:cs typeface="Times New Roman" panose="02020603050405020304" pitchFamily="18" charset="0"/>
+            </a:endParaRPr>
+          </a:p>
+          <a:p>
+            <a:pPr marL="285750" indent="-285750">
+              <a:lnSpc>
+                <a:spcPct val="107000"/>
+              </a:lnSpc>
+              <a:spcAft>
+                <a:spcPts val="800"/>
+              </a:spcAft>
+              <a:buFont typeface="Arial" panose="020B0604020202020204" pitchFamily="34" charset="0"/>
+              <a:buChar char="•"/>
+            </a:pPr>
+            <a:r>
+              <a:rPr lang="en-IN" sz="1800" kern="100" dirty="0">
+                <a:effectLst/>
+                <a:latin typeface="Times New Roman" panose="02020603050405020304" pitchFamily="18" charset="0"/>
+                <a:ea typeface="Calibri" panose="020F0502020204030204" pitchFamily="34" charset="0"/>
+                <a:cs typeface="Times New Roman" panose="02020603050405020304" pitchFamily="18" charset="0"/>
+              </a:rPr>
+              <a:t>There is an increase of </a:t>
+            </a:r>
+            <a:r>
+              <a:rPr lang="en-IN" sz="1800" b="1" kern="100" dirty="0">
+                <a:effectLst/>
+                <a:latin typeface="Times New Roman" panose="02020603050405020304" pitchFamily="18" charset="0"/>
+                <a:ea typeface="Calibri" panose="020F0502020204030204" pitchFamily="34" charset="0"/>
+                <a:cs typeface="Times New Roman" panose="02020603050405020304" pitchFamily="18" charset="0"/>
+              </a:rPr>
+              <a:t>2.13%</a:t>
+            </a:r>
+            <a:r>
+              <a:rPr lang="en-IN" sz="1800" kern="100" dirty="0">
+                <a:effectLst/>
+                <a:latin typeface="Times New Roman" panose="02020603050405020304" pitchFamily="18" charset="0"/>
+                <a:ea typeface="Calibri" panose="020F0502020204030204" pitchFamily="34" charset="0"/>
+                <a:cs typeface="Times New Roman" panose="02020603050405020304" pitchFamily="18" charset="0"/>
+              </a:rPr>
+              <a:t> on restaurants opened from the year 2010 to 2018.</a:t>
+            </a:r>
+            <a:endParaRPr lang="en-IN" sz="1800" kern="100" dirty="0">
+              <a:effectLst/>
+              <a:latin typeface="Calibri" panose="020F0502020204030204" pitchFamily="34" charset="0"/>
+              <a:ea typeface="Calibri" panose="020F0502020204030204" pitchFamily="34" charset="0"/>
+              <a:cs typeface="Times New Roman" panose="02020603050405020304" pitchFamily="18" charset="0"/>
+            </a:endParaRPr>
           </a:p>
         </p:txBody>
       </p:sp>
       <p:pic>
         <p:nvPicPr>
-          <p:cNvPr id="10" name="Picture 9">
+          <p:cNvPr id="12" name="Picture 11">
             <a:extLst>
               <a:ext uri="{FF2B5EF4-FFF2-40B4-BE49-F238E27FC236}">
-                <a16:creationId xmlns:a16="http://schemas.microsoft.com/office/drawing/2014/main" id="{8C890159-BE1B-944F-7E79-05F4306156E1}"/>
+                <a16:creationId xmlns:a16="http://schemas.microsoft.com/office/drawing/2014/main" id="{1DC4F783-D749-44A9-11DC-EBDBA606EB2C}"/>
               </a:ext>
             </a:extLst>
           </p:cNvPr>
@@ -13157,19 +14582,18 @@
         </p:blipFill>
         <p:spPr>
           <a:xfrm>
-            <a:off x="5510375" y="1257300"/>
-            <a:ext cx="5841837" cy="4503174"/>
+            <a:off x="6371303" y="1929346"/>
+            <a:ext cx="4980909" cy="3939641"/>
           </a:xfrm>
           <a:prstGeom prst="rect">
             <a:avLst/>
           </a:prstGeom>
-          <a:noFill/>
         </p:spPr>
       </p:pic>
     </p:spTree>
     <p:extLst>
       <p:ext uri="{BB962C8B-B14F-4D97-AF65-F5344CB8AC3E}">
-        <p14:creationId xmlns:p14="http://schemas.microsoft.com/office/powerpoint/2010/main" val="3252206285"/>
+        <p14:creationId xmlns:p14="http://schemas.microsoft.com/office/powerpoint/2010/main" val="3284389000"/>
       </p:ext>
     </p:extLst>
   </p:cSld>
@@ -13201,7 +14625,7 @@
           <p:cNvPr id="2" name="Title 1">
             <a:extLst>
               <a:ext uri="{FF2B5EF4-FFF2-40B4-BE49-F238E27FC236}">
-                <a16:creationId xmlns:a16="http://schemas.microsoft.com/office/drawing/2014/main" id="{4B98E4CA-7AEE-2116-B15E-E35847E309A1}"/>
+                <a16:creationId xmlns:a16="http://schemas.microsoft.com/office/drawing/2014/main" id="{6C0D82F1-04B8-9599-D2A2-C5074C180DC0}"/>
               </a:ext>
             </a:extLst>
           </p:cNvPr>
@@ -13212,7 +14636,12 @@
             <p:ph type="title"/>
           </p:nvPr>
         </p:nvSpPr>
-        <p:spPr/>
+        <p:spPr>
+          <a:xfrm>
+            <a:off x="603814" y="457200"/>
+            <a:ext cx="5492186" cy="801329"/>
+          </a:xfrm>
+        </p:spPr>
         <p:txBody>
           <a:bodyPr>
             <a:normAutofit/>
@@ -13220,21 +14649,25 @@
           <a:lstStyle/>
           <a:p>
             <a:r>
-              <a:rPr lang="en-IN" sz="3600" dirty="0">
-                <a:latin typeface="Times New Roman" panose="02020603050405020304" pitchFamily="18" charset="0"/>
-                <a:cs typeface="Times New Roman" panose="02020603050405020304" pitchFamily="18" charset="0"/>
-              </a:rPr>
-              <a:t>Suggestion of countries for expanding</a:t>
-            </a:r>
+              <a:rPr lang="en-US" sz="3600" dirty="0">
+                <a:latin typeface="Times New Roman" panose="02020603050405020304" pitchFamily="18" charset="0"/>
+                <a:cs typeface="Times New Roman" panose="02020603050405020304" pitchFamily="18" charset="0"/>
+              </a:rPr>
+              <a:t>Country wise Average Raing </a:t>
+            </a:r>
+            <a:endParaRPr lang="en-IN" sz="3600" dirty="0">
+              <a:latin typeface="Times New Roman" panose="02020603050405020304" pitchFamily="18" charset="0"/>
+              <a:cs typeface="Times New Roman" panose="02020603050405020304" pitchFamily="18" charset="0"/>
+            </a:endParaRPr>
           </a:p>
         </p:txBody>
       </p:sp>
       <p:sp>
         <p:nvSpPr>
-          <p:cNvPr id="3" name="Content Placeholder 2">
+          <p:cNvPr id="4" name="Text Placeholder 3">
             <a:extLst>
               <a:ext uri="{FF2B5EF4-FFF2-40B4-BE49-F238E27FC236}">
-                <a16:creationId xmlns:a16="http://schemas.microsoft.com/office/drawing/2014/main" id="{1C22CEF7-B2A0-6AE8-317C-2C6669014705}"/>
+                <a16:creationId xmlns:a16="http://schemas.microsoft.com/office/drawing/2014/main" id="{EF45BB4A-AB6D-F8DF-0AA5-AC2048E698C8}"/>
               </a:ext>
             </a:extLst>
           </p:cNvPr>
@@ -13242,175 +14675,193 @@
             <a:spLocks noGrp="1"/>
           </p:cNvSpPr>
           <p:nvPr>
-            <p:ph idx="1"/>
+            <p:ph type="body" sz="half" idx="2"/>
           </p:nvPr>
         </p:nvSpPr>
         <p:spPr>
           <a:xfrm>
-            <a:off x="838200" y="1471662"/>
-            <a:ext cx="10515600" cy="5021213"/>
+            <a:off x="603814" y="2412735"/>
+            <a:ext cx="3932237" cy="4134679"/>
           </a:xfrm>
         </p:spPr>
         <p:txBody>
           <a:bodyPr>
-            <a:normAutofit fontScale="92500" lnSpcReduction="20000"/>
+            <a:normAutofit/>
           </a:bodyPr>
           <a:lstStyle/>
           <a:p>
-            <a:r>
-              <a:rPr lang="en-IN" sz="2600" b="1" dirty="0">
-                <a:latin typeface="Times New Roman" panose="02020603050405020304" pitchFamily="18" charset="0"/>
-                <a:cs typeface="Times New Roman" panose="02020603050405020304" pitchFamily="18" charset="0"/>
-              </a:rPr>
-              <a:t>Criteria</a:t>
-            </a:r>
-            <a:r>
-              <a:rPr lang="en-IN" sz="2600" dirty="0">
-                <a:latin typeface="Times New Roman" panose="02020603050405020304" pitchFamily="18" charset="0"/>
+            <a:pPr marL="285750" indent="-285750">
+              <a:buFont typeface="Arial" panose="020B0604020202020204" pitchFamily="34" charset="0"/>
+              <a:buChar char="•"/>
+            </a:pPr>
+            <a:r>
+              <a:rPr lang="en-US" sz="1800" dirty="0">
+                <a:latin typeface="Times New Roman" panose="02020603050405020304" pitchFamily="18" charset="0"/>
+                <a:cs typeface="Times New Roman" panose="02020603050405020304" pitchFamily="18" charset="0"/>
+              </a:rPr>
+              <a:t>The Following Charts shows the average rating for each country. </a:t>
+            </a:r>
+          </a:p>
+          <a:p>
+            <a:pPr marL="285750" indent="-285750">
+              <a:buFont typeface="Arial" panose="020B0604020202020204" pitchFamily="34" charset="0"/>
+              <a:buChar char="•"/>
+            </a:pPr>
+            <a:r>
+              <a:rPr lang="en-IN" sz="1800" kern="100" dirty="0">
+                <a:effectLst/>
+                <a:latin typeface="Times New Roman" panose="02020603050405020304" pitchFamily="18" charset="0"/>
+                <a:ea typeface="Calibri" panose="020F0502020204030204" pitchFamily="34" charset="0"/>
+                <a:cs typeface="Times New Roman" panose="02020603050405020304" pitchFamily="18" charset="0"/>
+              </a:rPr>
+              <a:t>The </a:t>
+            </a:r>
+            <a:r>
+              <a:rPr lang="en-IN" sz="1800" b="1" kern="100" dirty="0">
+                <a:effectLst/>
+                <a:latin typeface="Times New Roman" panose="02020603050405020304" pitchFamily="18" charset="0"/>
+                <a:ea typeface="Calibri" panose="020F0502020204030204" pitchFamily="34" charset="0"/>
+                <a:cs typeface="Times New Roman" panose="02020603050405020304" pitchFamily="18" charset="0"/>
+              </a:rPr>
+              <a:t>average</a:t>
+            </a:r>
+            <a:r>
+              <a:rPr lang="en-IN" sz="1800" kern="100" dirty="0">
+                <a:effectLst/>
+                <a:latin typeface="Times New Roman" panose="02020603050405020304" pitchFamily="18" charset="0"/>
+                <a:ea typeface="Calibri" panose="020F0502020204030204" pitchFamily="34" charset="0"/>
+                <a:cs typeface="Times New Roman" panose="02020603050405020304" pitchFamily="18" charset="0"/>
+              </a:rPr>
+              <a:t> rating for the entire data is 2.89</a:t>
+            </a:r>
+          </a:p>
+          <a:p>
+            <a:pPr marL="285750" indent="-285750">
+              <a:buFont typeface="Arial" panose="020B0604020202020204" pitchFamily="34" charset="0"/>
+              <a:buChar char="•"/>
+            </a:pPr>
+            <a:r>
+              <a:rPr lang="en-IN" sz="1800" kern="100" dirty="0">
+                <a:effectLst/>
+                <a:latin typeface="Times New Roman" panose="02020603050405020304" pitchFamily="18" charset="0"/>
+                <a:ea typeface="Calibri" panose="020F0502020204030204" pitchFamily="34" charset="0"/>
+                <a:cs typeface="Times New Roman" panose="02020603050405020304" pitchFamily="18" charset="0"/>
+              </a:rPr>
+              <a:t>However, </a:t>
+            </a:r>
+            <a:r>
+              <a:rPr lang="en-IN" sz="1800" b="1" kern="100" dirty="0">
+                <a:latin typeface="Times New Roman" panose="02020603050405020304" pitchFamily="18" charset="0"/>
+                <a:ea typeface="Calibri" panose="020F0502020204030204" pitchFamily="34" charset="0"/>
+                <a:cs typeface="Times New Roman" panose="02020603050405020304" pitchFamily="18" charset="0"/>
+              </a:rPr>
+              <a:t>Philippines</a:t>
+            </a:r>
+            <a:r>
+              <a:rPr lang="en-IN" sz="1800" kern="100" dirty="0">
+                <a:effectLst/>
+                <a:latin typeface="Times New Roman" panose="02020603050405020304" pitchFamily="18" charset="0"/>
+                <a:ea typeface="Calibri" panose="020F0502020204030204" pitchFamily="34" charset="0"/>
+                <a:cs typeface="Times New Roman" panose="02020603050405020304" pitchFamily="18" charset="0"/>
+              </a:rPr>
+              <a:t> has the most average rating i.e. </a:t>
+            </a:r>
+            <a:r>
+              <a:rPr lang="en-IN" sz="1800" b="1" kern="100" dirty="0">
+                <a:latin typeface="Times New Roman" panose="02020603050405020304" pitchFamily="18" charset="0"/>
+                <a:ea typeface="Calibri" panose="020F0502020204030204" pitchFamily="34" charset="0"/>
+                <a:cs typeface="Times New Roman" panose="02020603050405020304" pitchFamily="18" charset="0"/>
+              </a:rPr>
+              <a:t>4.47</a:t>
+            </a:r>
+            <a:r>
+              <a:rPr lang="en-IN" sz="1800" b="1" kern="100" dirty="0">
+                <a:effectLst/>
+                <a:latin typeface="Times New Roman" panose="02020603050405020304" pitchFamily="18" charset="0"/>
+                <a:ea typeface="Calibri" panose="020F0502020204030204" pitchFamily="34" charset="0"/>
                 <a:cs typeface="Times New Roman" panose="02020603050405020304" pitchFamily="18" charset="0"/>
               </a:rPr>
               <a:t> </a:t>
             </a:r>
-          </a:p>
-          <a:p>
-            <a:pPr marL="914400" lvl="1" indent="-457200">
-              <a:lnSpc>
-                <a:spcPct val="100000"/>
-              </a:lnSpc>
-              <a:buFont typeface="+mj-lt"/>
-              <a:buAutoNum type="arabicPeriod"/>
-            </a:pPr>
-            <a:r>
-              <a:rPr lang="en-US" sz="2200" dirty="0">
-                <a:latin typeface="Times New Roman" panose="02020603050405020304" pitchFamily="18" charset="0"/>
-                <a:cs typeface="Times New Roman" panose="02020603050405020304" pitchFamily="18" charset="0"/>
-              </a:rPr>
-              <a:t>The total number of restaurants should be fewer than 60 to minimize competition. Maintaining a limited presence allows for greater market control, ensuring higher demand and profitability within the selected locations</a:t>
-            </a:r>
-          </a:p>
-          <a:p>
-            <a:pPr marL="914400" lvl="1" indent="-457200">
-              <a:buFont typeface="+mj-lt"/>
-              <a:buAutoNum type="arabicPeriod"/>
-            </a:pPr>
-            <a:r>
-              <a:rPr lang="en-US" sz="2200" dirty="0">
-                <a:latin typeface="Times New Roman" panose="02020603050405020304" pitchFamily="18" charset="0"/>
-                <a:cs typeface="Times New Roman" panose="02020603050405020304" pitchFamily="18" charset="0"/>
-              </a:rPr>
-              <a:t>The number of restaurants per city should be fewer than 5 to ensure market dominance. Limiting competition within each city allows for greater control over customer preferences and enhances the ability to establish a strong presence.</a:t>
-            </a:r>
-          </a:p>
-          <a:p>
-            <a:pPr marL="914400" lvl="1" indent="-457200">
-              <a:buFont typeface="+mj-lt"/>
-              <a:buAutoNum type="arabicPeriod"/>
-            </a:pPr>
-            <a:r>
-              <a:rPr lang="en-US" sz="2200" dirty="0">
-                <a:latin typeface="Times New Roman" panose="02020603050405020304" pitchFamily="18" charset="0"/>
-                <a:cs typeface="Times New Roman" panose="02020603050405020304" pitchFamily="18" charset="0"/>
-              </a:rPr>
-              <a:t>The average cost for two should remain below Rs.4000, as a premium price may discourage potential customers from visiting. Keeping pricing accessible can help attract a larger customer base and improve footfall.</a:t>
-            </a:r>
-          </a:p>
-          <a:p>
-            <a:pPr marL="914400" lvl="1" indent="-457200">
-              <a:buFont typeface="+mj-lt"/>
-              <a:buAutoNum type="arabicPeriod"/>
-            </a:pPr>
-            <a:r>
-              <a:rPr lang="en-US" sz="2200" dirty="0">
-                <a:latin typeface="Times New Roman" panose="02020603050405020304" pitchFamily="18" charset="0"/>
-                <a:cs typeface="Times New Roman" panose="02020603050405020304" pitchFamily="18" charset="0"/>
-              </a:rPr>
-              <a:t>An average rating below 3.7 suggests a lower quality of service for customers. Expanding into such cities could provide a competitive advantage if customer satisfaction is effectively addressed</a:t>
-            </a:r>
-          </a:p>
-          <a:p>
-            <a:r>
-              <a:rPr lang="en-IN" sz="2600" b="1" dirty="0">
-                <a:latin typeface="Times New Roman" panose="02020603050405020304" pitchFamily="18" charset="0"/>
-                <a:cs typeface="Times New Roman" panose="02020603050405020304" pitchFamily="18" charset="0"/>
-              </a:rPr>
-              <a:t>Recommended countries and Cities</a:t>
-            </a:r>
-            <a:endParaRPr lang="en-IN" sz="2600" dirty="0">
-              <a:latin typeface="Times New Roman" panose="02020603050405020304" pitchFamily="18" charset="0"/>
+            <a:r>
+              <a:rPr lang="en-IN" sz="1800" kern="100" dirty="0">
+                <a:effectLst/>
+                <a:latin typeface="Times New Roman" panose="02020603050405020304" pitchFamily="18" charset="0"/>
+                <a:ea typeface="Calibri" panose="020F0502020204030204" pitchFamily="34" charset="0"/>
+                <a:cs typeface="Times New Roman" panose="02020603050405020304" pitchFamily="18" charset="0"/>
+              </a:rPr>
+              <a:t>and </a:t>
+            </a:r>
+            <a:r>
+              <a:rPr lang="en-IN" sz="1800" b="1" kern="100" dirty="0">
+                <a:effectLst/>
+                <a:latin typeface="Times New Roman" panose="02020603050405020304" pitchFamily="18" charset="0"/>
+                <a:ea typeface="Calibri" panose="020F0502020204030204" pitchFamily="34" charset="0"/>
+                <a:cs typeface="Times New Roman" panose="02020603050405020304" pitchFamily="18" charset="0"/>
+              </a:rPr>
+              <a:t>India</a:t>
+            </a:r>
+            <a:r>
+              <a:rPr lang="en-IN" sz="1800" kern="100" dirty="0">
+                <a:effectLst/>
+                <a:latin typeface="Times New Roman" panose="02020603050405020304" pitchFamily="18" charset="0"/>
+                <a:ea typeface="Calibri" panose="020F0502020204030204" pitchFamily="34" charset="0"/>
+                <a:cs typeface="Times New Roman" panose="02020603050405020304" pitchFamily="18" charset="0"/>
+              </a:rPr>
+              <a:t> has the least rating of </a:t>
+            </a:r>
+            <a:r>
+              <a:rPr lang="en-IN" sz="1800" b="1" kern="100" dirty="0">
+                <a:effectLst/>
+                <a:latin typeface="Times New Roman" panose="02020603050405020304" pitchFamily="18" charset="0"/>
+                <a:ea typeface="Calibri" panose="020F0502020204030204" pitchFamily="34" charset="0"/>
+                <a:cs typeface="Times New Roman" panose="02020603050405020304" pitchFamily="18" charset="0"/>
+              </a:rPr>
+              <a:t>2.77.</a:t>
+            </a:r>
+            <a:endParaRPr lang="en-IN" sz="1800" kern="100" dirty="0">
+              <a:effectLst/>
+              <a:latin typeface="Calibri" panose="020F0502020204030204" pitchFamily="34" charset="0"/>
+              <a:ea typeface="Calibri" panose="020F0502020204030204" pitchFamily="34" charset="0"/>
               <a:cs typeface="Times New Roman" panose="02020603050405020304" pitchFamily="18" charset="0"/>
             </a:endParaRPr>
           </a:p>
-          <a:p>
-            <a:pPr marL="914400" lvl="1" indent="-457200">
-              <a:buFont typeface="+mj-lt"/>
-              <a:buAutoNum type="arabicPeriod"/>
-            </a:pPr>
-            <a:r>
-              <a:rPr lang="en-IN" b="1" dirty="0">
-                <a:latin typeface="Times New Roman" panose="02020603050405020304" pitchFamily="18" charset="0"/>
-                <a:cs typeface="Times New Roman" panose="02020603050405020304" pitchFamily="18" charset="0"/>
-              </a:rPr>
-              <a:t>Australia</a:t>
-            </a:r>
-            <a:r>
-              <a:rPr lang="en-IN" dirty="0"/>
-              <a:t> - </a:t>
-            </a:r>
-            <a:r>
-              <a:rPr lang="en-IN" sz="2000" dirty="0">
-                <a:effectLst/>
-                <a:latin typeface="Times New Roman" panose="02020603050405020304" pitchFamily="18" charset="0"/>
-                <a:ea typeface="Calibri" panose="020F0502020204030204" pitchFamily="34" charset="0"/>
-              </a:rPr>
-              <a:t>Flaxton, Paynesville, Montville.</a:t>
-            </a:r>
-          </a:p>
-          <a:p>
-            <a:pPr marL="914400" lvl="1" indent="-457200">
-              <a:buFont typeface="+mj-lt"/>
-              <a:buAutoNum type="arabicPeriod"/>
-            </a:pPr>
-            <a:r>
-              <a:rPr lang="en-IN" b="1" dirty="0">
-                <a:latin typeface="Times New Roman" panose="02020603050405020304" pitchFamily="18" charset="0"/>
-                <a:cs typeface="Times New Roman" panose="02020603050405020304" pitchFamily="18" charset="0"/>
-              </a:rPr>
-              <a:t>Canada</a:t>
-            </a:r>
-            <a:r>
-              <a:rPr lang="en-IN" sz="2000" dirty="0">
-                <a:latin typeface="Times New Roman" panose="02020603050405020304" pitchFamily="18" charset="0"/>
-                <a:ea typeface="Calibri" panose="020F0502020204030204" pitchFamily="34" charset="0"/>
-              </a:rPr>
-              <a:t> – Chatham-Kent, Consort, Vineland Station, Yorkton.</a:t>
-            </a:r>
-          </a:p>
-          <a:p>
-            <a:pPr marL="914400" lvl="1" indent="-457200">
-              <a:buFont typeface="+mj-lt"/>
-              <a:buAutoNum type="arabicPeriod"/>
-            </a:pPr>
-            <a:r>
-              <a:rPr lang="en-IN" b="1" dirty="0">
-                <a:latin typeface="Times New Roman" panose="02020603050405020304" pitchFamily="18" charset="0"/>
-                <a:cs typeface="Times New Roman" panose="02020603050405020304" pitchFamily="18" charset="0"/>
-              </a:rPr>
-              <a:t>Indonesia</a:t>
-            </a:r>
-            <a:r>
-              <a:rPr lang="en-IN" sz="2000" dirty="0">
-                <a:latin typeface="Times New Roman" panose="02020603050405020304" pitchFamily="18" charset="0"/>
-                <a:ea typeface="Calibri" panose="020F0502020204030204" pitchFamily="34" charset="0"/>
-              </a:rPr>
-              <a:t> – Tangerang.</a:t>
-            </a:r>
-          </a:p>
         </p:txBody>
       </p:sp>
+      <p:pic>
+        <p:nvPicPr>
+          <p:cNvPr id="8" name="Picture 7">
+            <a:extLst>
+              <a:ext uri="{FF2B5EF4-FFF2-40B4-BE49-F238E27FC236}">
+                <a16:creationId xmlns:a16="http://schemas.microsoft.com/office/drawing/2014/main" id="{C2D84A18-7961-27AB-1C80-0EEF68866F65}"/>
+              </a:ext>
+            </a:extLst>
+          </p:cNvPr>
+          <p:cNvPicPr>
+            <a:picLocks noChangeAspect="1"/>
+          </p:cNvPicPr>
+          <p:nvPr/>
+        </p:nvPicPr>
+        <p:blipFill>
+          <a:blip r:embed="rId2"/>
+          <a:stretch>
+            <a:fillRect/>
+          </a:stretch>
+        </p:blipFill>
+        <p:spPr>
+          <a:xfrm>
+            <a:off x="6204155" y="1617191"/>
+            <a:ext cx="5148057" cy="4134679"/>
+          </a:xfrm>
+          <a:prstGeom prst="rect">
+            <a:avLst/>
+          </a:prstGeom>
+        </p:spPr>
+      </p:pic>
     </p:spTree>
     <p:extLst>
       <p:ext uri="{BB962C8B-B14F-4D97-AF65-F5344CB8AC3E}">
-        <p14:creationId xmlns:p14="http://schemas.microsoft.com/office/powerpoint/2010/main" val="444665779"/>
+        <p14:creationId xmlns:p14="http://schemas.microsoft.com/office/powerpoint/2010/main" val="1079056399"/>
       </p:ext>
     </p:extLst>
   </p:cSld>
@@ -13437,12 +14888,49 @@
           <a:chExt cx="0" cy="0"/>
         </a:xfrm>
       </p:grpSpPr>
+      <p:sp>
+        <p:nvSpPr>
+          <p:cNvPr id="2" name="Title 1">
+            <a:extLst>
+              <a:ext uri="{FF2B5EF4-FFF2-40B4-BE49-F238E27FC236}">
+                <a16:creationId xmlns:a16="http://schemas.microsoft.com/office/drawing/2014/main" id="{C69DD08D-7DCD-8F6C-4D99-87C224145F1F}"/>
+              </a:ext>
+            </a:extLst>
+          </p:cNvPr>
+          <p:cNvSpPr>
+            <a:spLocks noGrp="1"/>
+          </p:cNvSpPr>
+          <p:nvPr>
+            <p:ph type="title"/>
+          </p:nvPr>
+        </p:nvSpPr>
+        <p:spPr/>
+        <p:txBody>
+          <a:bodyPr>
+            <a:normAutofit/>
+          </a:bodyPr>
+          <a:lstStyle/>
+          <a:p>
+            <a:r>
+              <a:rPr lang="en-US" sz="3600" dirty="0">
+                <a:latin typeface="Times New Roman" panose="02020603050405020304" pitchFamily="18" charset="0"/>
+                <a:cs typeface="Times New Roman" panose="02020603050405020304" pitchFamily="18" charset="0"/>
+              </a:rPr>
+              <a:t>Top 10 Cuisines and Restaurants</a:t>
+            </a:r>
+            <a:endParaRPr lang="en-IN" sz="3600" dirty="0">
+              <a:latin typeface="Times New Roman" panose="02020603050405020304" pitchFamily="18" charset="0"/>
+              <a:cs typeface="Times New Roman" panose="02020603050405020304" pitchFamily="18" charset="0"/>
+            </a:endParaRPr>
+          </a:p>
+        </p:txBody>
+      </p:sp>
       <p:pic>
         <p:nvPicPr>
           <p:cNvPr id="5" name="Picture 4">
             <a:extLst>
               <a:ext uri="{FF2B5EF4-FFF2-40B4-BE49-F238E27FC236}">
-                <a16:creationId xmlns:a16="http://schemas.microsoft.com/office/drawing/2014/main" id="{F8FD7371-460A-3DDA-E4A4-9FA5D448168A}"/>
+                <a16:creationId xmlns:a16="http://schemas.microsoft.com/office/drawing/2014/main" id="{AAC96EC1-0FB3-D74C-D97A-B7C7D972CB2E}"/>
               </a:ext>
             </a:extLst>
           </p:cNvPr>
@@ -13459,107 +14947,20 @@
         </p:blipFill>
         <p:spPr>
           <a:xfrm>
-            <a:off x="7194386" y="960001"/>
-            <a:ext cx="3681176" cy="2328098"/>
+            <a:off x="838201" y="1690686"/>
+            <a:ext cx="4578493" cy="3412255"/>
           </a:xfrm>
           <a:prstGeom prst="rect">
             <a:avLst/>
           </a:prstGeom>
         </p:spPr>
       </p:pic>
-      <p:sp>
-        <p:nvSpPr>
-          <p:cNvPr id="8" name="Text Placeholder 7">
+      <p:pic>
+        <p:nvPicPr>
+          <p:cNvPr id="6" name="Picture 5">
             <a:extLst>
               <a:ext uri="{FF2B5EF4-FFF2-40B4-BE49-F238E27FC236}">
-                <a16:creationId xmlns:a16="http://schemas.microsoft.com/office/drawing/2014/main" id="{05204A96-BEAB-2899-F87D-2C1F42DA57AB}"/>
-              </a:ext>
-            </a:extLst>
-          </p:cNvPr>
-          <p:cNvSpPr>
-            <a:spLocks noGrp="1"/>
-          </p:cNvSpPr>
-          <p:nvPr>
-            <p:ph type="body" sz="half" idx="2"/>
-          </p:nvPr>
-        </p:nvSpPr>
-        <p:spPr>
-          <a:xfrm>
-            <a:off x="1217777" y="3957719"/>
-            <a:ext cx="3932237" cy="2620061"/>
-          </a:xfrm>
-        </p:spPr>
-        <p:txBody>
-          <a:bodyPr>
-            <a:noAutofit/>
-          </a:bodyPr>
-          <a:lstStyle/>
-          <a:p>
-            <a:pPr marL="285750" indent="-285750">
-              <a:buFont typeface="Arial" panose="020B0604020202020204" pitchFamily="34" charset="0"/>
-              <a:buChar char="•"/>
-            </a:pPr>
-            <a:r>
-              <a:rPr lang="en-US" sz="1800" dirty="0">
-                <a:latin typeface="Times New Roman" panose="02020603050405020304" pitchFamily="18" charset="0"/>
-                <a:cs typeface="Times New Roman" panose="02020603050405020304" pitchFamily="18" charset="0"/>
-              </a:rPr>
-              <a:t>The city to restaurant count ratio is visualized to support the selection of the ideal country for expansion. This analysis helps in identifying market opportunities, assessing competition, and making data-driven decisions for strategic growth.</a:t>
-            </a:r>
-            <a:r>
-              <a:rPr lang="en-IN" sz="1800" dirty="0">
-                <a:latin typeface="Times New Roman" panose="02020603050405020304" pitchFamily="18" charset="0"/>
-                <a:cs typeface="Times New Roman" panose="02020603050405020304" pitchFamily="18" charset="0"/>
-              </a:rPr>
-              <a:t>.</a:t>
-            </a:r>
-          </a:p>
-        </p:txBody>
-      </p:sp>
-      <p:sp>
-        <p:nvSpPr>
-          <p:cNvPr id="10" name="TextBox 9">
-            <a:extLst>
-              <a:ext uri="{FF2B5EF4-FFF2-40B4-BE49-F238E27FC236}">
-                <a16:creationId xmlns:a16="http://schemas.microsoft.com/office/drawing/2014/main" id="{68634702-EA42-706A-C7FE-89482E563EE1}"/>
-              </a:ext>
-            </a:extLst>
-          </p:cNvPr>
-          <p:cNvSpPr txBox="1"/>
-          <p:nvPr/>
-        </p:nvSpPr>
-        <p:spPr>
-          <a:xfrm>
-            <a:off x="7895304" y="921519"/>
-            <a:ext cx="2556387" cy="369332"/>
-          </a:xfrm>
-          <a:prstGeom prst="rect">
-            <a:avLst/>
-          </a:prstGeom>
-          <a:noFill/>
-        </p:spPr>
-        <p:txBody>
-          <a:bodyPr wrap="square" rtlCol="0">
-            <a:spAutoFit/>
-          </a:bodyPr>
-          <a:lstStyle/>
-          <a:p>
-            <a:r>
-              <a:rPr lang="en-IN" b="1" dirty="0">
-                <a:latin typeface="Times New Roman" panose="02020603050405020304" pitchFamily="18" charset="0"/>
-                <a:cs typeface="Times New Roman" panose="02020603050405020304" pitchFamily="18" charset="0"/>
-              </a:rPr>
-              <a:t>Restaurant count</a:t>
-            </a:r>
-          </a:p>
-        </p:txBody>
-      </p:sp>
-      <p:pic>
-        <p:nvPicPr>
-          <p:cNvPr id="14" name="Picture 13">
-            <a:extLst>
-              <a:ext uri="{FF2B5EF4-FFF2-40B4-BE49-F238E27FC236}">
-                <a16:creationId xmlns:a16="http://schemas.microsoft.com/office/drawing/2014/main" id="{70B955F2-C48B-DC8D-3831-5EB9EAE25F40}"/>
+                <a16:creationId xmlns:a16="http://schemas.microsoft.com/office/drawing/2014/main" id="{A47A0F41-AE4A-B553-B640-5349C395FEA0}"/>
               </a:ext>
             </a:extLst>
           </p:cNvPr>
@@ -13576,8 +14977,8 @@
         </p:blipFill>
         <p:spPr>
           <a:xfrm>
-            <a:off x="7194386" y="3957718"/>
-            <a:ext cx="3681176" cy="2620061"/>
+            <a:off x="6775307" y="1690687"/>
+            <a:ext cx="4578493" cy="3412255"/>
           </a:xfrm>
           <a:prstGeom prst="rect">
             <a:avLst/>
@@ -13586,223 +14987,10 @@
       </p:pic>
       <p:sp>
         <p:nvSpPr>
-          <p:cNvPr id="15" name="Text Placeholder 7">
+          <p:cNvPr id="7" name="TextBox 6">
             <a:extLst>
               <a:ext uri="{FF2B5EF4-FFF2-40B4-BE49-F238E27FC236}">
-                <a16:creationId xmlns:a16="http://schemas.microsoft.com/office/drawing/2014/main" id="{E0D7CB8C-7548-0455-A612-653D65C764EE}"/>
-              </a:ext>
-            </a:extLst>
-          </p:cNvPr>
-          <p:cNvSpPr txBox="1">
-            <a:spLocks/>
-          </p:cNvSpPr>
-          <p:nvPr/>
-        </p:nvSpPr>
-        <p:spPr>
-          <a:xfrm>
-            <a:off x="1217777" y="1290851"/>
-            <a:ext cx="3932237" cy="2138149"/>
-          </a:xfrm>
-          <a:prstGeom prst="rect">
-            <a:avLst/>
-          </a:prstGeom>
-        </p:spPr>
-        <p:txBody>
-          <a:bodyPr vert="horz" lIns="91440" tIns="45720" rIns="91440" bIns="45720" rtlCol="0">
-            <a:noAutofit/>
-          </a:bodyPr>
-          <a:lstStyle>
-            <a:lvl1pPr marL="0" indent="0" algn="l" defTabSz="914400" rtl="0" eaLnBrk="1" latinLnBrk="0" hangingPunct="1">
-              <a:lnSpc>
-                <a:spcPct val="90000"/>
-              </a:lnSpc>
-              <a:spcBef>
-                <a:spcPts val="1000"/>
-              </a:spcBef>
-              <a:buFont typeface="Arial" panose="020B0604020202020204" pitchFamily="34" charset="0"/>
-              <a:buNone/>
-              <a:defRPr sz="1600" kern="1200">
-                <a:solidFill>
-                  <a:schemeClr val="tx1"/>
-                </a:solidFill>
-                <a:latin typeface="+mn-lt"/>
-                <a:ea typeface="+mn-ea"/>
-                <a:cs typeface="+mn-cs"/>
-              </a:defRPr>
-            </a:lvl1pPr>
-            <a:lvl2pPr marL="457200" indent="0" algn="l" defTabSz="914400" rtl="0" eaLnBrk="1" latinLnBrk="0" hangingPunct="1">
-              <a:lnSpc>
-                <a:spcPct val="90000"/>
-              </a:lnSpc>
-              <a:spcBef>
-                <a:spcPts val="500"/>
-              </a:spcBef>
-              <a:buFont typeface="Arial" panose="020B0604020202020204" pitchFamily="34" charset="0"/>
-              <a:buNone/>
-              <a:defRPr sz="1400" kern="1200">
-                <a:solidFill>
-                  <a:schemeClr val="tx1"/>
-                </a:solidFill>
-                <a:latin typeface="+mn-lt"/>
-                <a:ea typeface="+mn-ea"/>
-                <a:cs typeface="+mn-cs"/>
-              </a:defRPr>
-            </a:lvl2pPr>
-            <a:lvl3pPr marL="914400" indent="0" algn="l" defTabSz="914400" rtl="0" eaLnBrk="1" latinLnBrk="0" hangingPunct="1">
-              <a:lnSpc>
-                <a:spcPct val="90000"/>
-              </a:lnSpc>
-              <a:spcBef>
-                <a:spcPts val="500"/>
-              </a:spcBef>
-              <a:buFont typeface="Arial" panose="020B0604020202020204" pitchFamily="34" charset="0"/>
-              <a:buNone/>
-              <a:defRPr sz="1200" kern="1200">
-                <a:solidFill>
-                  <a:schemeClr val="tx1"/>
-                </a:solidFill>
-                <a:latin typeface="+mn-lt"/>
-                <a:ea typeface="+mn-ea"/>
-                <a:cs typeface="+mn-cs"/>
-              </a:defRPr>
-            </a:lvl3pPr>
-            <a:lvl4pPr marL="1371600" indent="0" algn="l" defTabSz="914400" rtl="0" eaLnBrk="1" latinLnBrk="0" hangingPunct="1">
-              <a:lnSpc>
-                <a:spcPct val="90000"/>
-              </a:lnSpc>
-              <a:spcBef>
-                <a:spcPts val="500"/>
-              </a:spcBef>
-              <a:buFont typeface="Arial" panose="020B0604020202020204" pitchFamily="34" charset="0"/>
-              <a:buNone/>
-              <a:defRPr sz="1000" kern="1200">
-                <a:solidFill>
-                  <a:schemeClr val="tx1"/>
-                </a:solidFill>
-                <a:latin typeface="+mn-lt"/>
-                <a:ea typeface="+mn-ea"/>
-                <a:cs typeface="+mn-cs"/>
-              </a:defRPr>
-            </a:lvl4pPr>
-            <a:lvl5pPr marL="1828800" indent="0" algn="l" defTabSz="914400" rtl="0" eaLnBrk="1" latinLnBrk="0" hangingPunct="1">
-              <a:lnSpc>
-                <a:spcPct val="90000"/>
-              </a:lnSpc>
-              <a:spcBef>
-                <a:spcPts val="500"/>
-              </a:spcBef>
-              <a:buFont typeface="Arial" panose="020B0604020202020204" pitchFamily="34" charset="0"/>
-              <a:buNone/>
-              <a:defRPr sz="1000" kern="1200">
-                <a:solidFill>
-                  <a:schemeClr val="tx1"/>
-                </a:solidFill>
-                <a:latin typeface="+mn-lt"/>
-                <a:ea typeface="+mn-ea"/>
-                <a:cs typeface="+mn-cs"/>
-              </a:defRPr>
-            </a:lvl5pPr>
-            <a:lvl6pPr marL="2286000" indent="0" algn="l" defTabSz="914400" rtl="0" eaLnBrk="1" latinLnBrk="0" hangingPunct="1">
-              <a:lnSpc>
-                <a:spcPct val="90000"/>
-              </a:lnSpc>
-              <a:spcBef>
-                <a:spcPts val="500"/>
-              </a:spcBef>
-              <a:buFont typeface="Arial" panose="020B0604020202020204" pitchFamily="34" charset="0"/>
-              <a:buNone/>
-              <a:defRPr sz="1000" kern="1200">
-                <a:solidFill>
-                  <a:schemeClr val="tx1"/>
-                </a:solidFill>
-                <a:latin typeface="+mn-lt"/>
-                <a:ea typeface="+mn-ea"/>
-                <a:cs typeface="+mn-cs"/>
-              </a:defRPr>
-            </a:lvl6pPr>
-            <a:lvl7pPr marL="2743200" indent="0" algn="l" defTabSz="914400" rtl="0" eaLnBrk="1" latinLnBrk="0" hangingPunct="1">
-              <a:lnSpc>
-                <a:spcPct val="90000"/>
-              </a:lnSpc>
-              <a:spcBef>
-                <a:spcPts val="500"/>
-              </a:spcBef>
-              <a:buFont typeface="Arial" panose="020B0604020202020204" pitchFamily="34" charset="0"/>
-              <a:buNone/>
-              <a:defRPr sz="1000" kern="1200">
-                <a:solidFill>
-                  <a:schemeClr val="tx1"/>
-                </a:solidFill>
-                <a:latin typeface="+mn-lt"/>
-                <a:ea typeface="+mn-ea"/>
-                <a:cs typeface="+mn-cs"/>
-              </a:defRPr>
-            </a:lvl7pPr>
-            <a:lvl8pPr marL="3200400" indent="0" algn="l" defTabSz="914400" rtl="0" eaLnBrk="1" latinLnBrk="0" hangingPunct="1">
-              <a:lnSpc>
-                <a:spcPct val="90000"/>
-              </a:lnSpc>
-              <a:spcBef>
-                <a:spcPts val="500"/>
-              </a:spcBef>
-              <a:buFont typeface="Arial" panose="020B0604020202020204" pitchFamily="34" charset="0"/>
-              <a:buNone/>
-              <a:defRPr sz="1000" kern="1200">
-                <a:solidFill>
-                  <a:schemeClr val="tx1"/>
-                </a:solidFill>
-                <a:latin typeface="+mn-lt"/>
-                <a:ea typeface="+mn-ea"/>
-                <a:cs typeface="+mn-cs"/>
-              </a:defRPr>
-            </a:lvl8pPr>
-            <a:lvl9pPr marL="3657600" indent="0" algn="l" defTabSz="914400" rtl="0" eaLnBrk="1" latinLnBrk="0" hangingPunct="1">
-              <a:lnSpc>
-                <a:spcPct val="90000"/>
-              </a:lnSpc>
-              <a:spcBef>
-                <a:spcPts val="500"/>
-              </a:spcBef>
-              <a:buFont typeface="Arial" panose="020B0604020202020204" pitchFamily="34" charset="0"/>
-              <a:buNone/>
-              <a:defRPr sz="1000" kern="1200">
-                <a:solidFill>
-                  <a:schemeClr val="tx1"/>
-                </a:solidFill>
-                <a:latin typeface="+mn-lt"/>
-                <a:ea typeface="+mn-ea"/>
-                <a:cs typeface="+mn-cs"/>
-              </a:defRPr>
-            </a:lvl9pPr>
-          </a:lstStyle>
-          <a:p>
-            <a:pPr marL="285750" indent="-285750">
-              <a:buFont typeface="Arial" panose="020B0604020202020204" pitchFamily="34" charset="0"/>
-              <a:buChar char="•"/>
-            </a:pPr>
-            <a:r>
-              <a:rPr lang="en-US" sz="1800" dirty="0">
-                <a:latin typeface="Times New Roman" panose="02020603050405020304" pitchFamily="18" charset="0"/>
-                <a:cs typeface="Times New Roman" panose="02020603050405020304" pitchFamily="18" charset="0"/>
-              </a:rPr>
-              <a:t>The country-wise distribution of restaurant counts has been visualized to support the selection of the ideal country for expansion. This analysis helps in identifying market opportunities, assessing competition, and making data-driven decisions for strategic growth.</a:t>
-            </a:r>
-            <a:r>
-              <a:rPr lang="en-IN" sz="1800" dirty="0">
-                <a:latin typeface="Times New Roman" panose="02020603050405020304" pitchFamily="18" charset="0"/>
-                <a:cs typeface="Times New Roman" panose="02020603050405020304" pitchFamily="18" charset="0"/>
-              </a:rPr>
-              <a:t>.</a:t>
-            </a:r>
-          </a:p>
-        </p:txBody>
-      </p:sp>
-      <p:sp>
-        <p:nvSpPr>
-          <p:cNvPr id="16" name="TextBox 15">
-            <a:extLst>
-              <a:ext uri="{FF2B5EF4-FFF2-40B4-BE49-F238E27FC236}">
-                <a16:creationId xmlns:a16="http://schemas.microsoft.com/office/drawing/2014/main" id="{6437D063-D9FE-A8A0-8BF3-37FF72808699}"/>
+                <a16:creationId xmlns:a16="http://schemas.microsoft.com/office/drawing/2014/main" id="{A08C9F4D-B930-C233-1402-3289643F4CE0}"/>
               </a:ext>
             </a:extLst>
           </p:cNvPr>
@@ -13811,8 +14999,8 @@
         </p:nvSpPr>
         <p:spPr>
           <a:xfrm>
-            <a:off x="1406012" y="98323"/>
-            <a:ext cx="5788373" cy="646331"/>
+            <a:off x="1139882" y="5305813"/>
+            <a:ext cx="3975131" cy="646331"/>
           </a:xfrm>
           <a:prstGeom prst="rect">
             <a:avLst/>
@@ -13826,19 +15014,65 @@
           <a:lstStyle/>
           <a:p>
             <a:r>
-              <a:rPr lang="en-IN" sz="3600" b="1" dirty="0">
-                <a:latin typeface="Times New Roman" panose="02020603050405020304" pitchFamily="18" charset="0"/>
-                <a:cs typeface="Times New Roman" panose="02020603050405020304" pitchFamily="18" charset="0"/>
-              </a:rPr>
-              <a:t>Visualization</a:t>
-            </a:r>
+              <a:rPr lang="en-US" dirty="0">
+                <a:latin typeface="Times New Roman" panose="02020603050405020304" pitchFamily="18" charset="0"/>
+                <a:cs typeface="Times New Roman" panose="02020603050405020304" pitchFamily="18" charset="0"/>
+              </a:rPr>
+              <a:t>The above chart highlights the ten cuisines with the highest average ratings</a:t>
+            </a:r>
+            <a:endParaRPr lang="en-IN" dirty="0">
+              <a:latin typeface="Times New Roman" panose="02020603050405020304" pitchFamily="18" charset="0"/>
+              <a:cs typeface="Times New Roman" panose="02020603050405020304" pitchFamily="18" charset="0"/>
+            </a:endParaRPr>
+          </a:p>
+        </p:txBody>
+      </p:sp>
+      <p:sp>
+        <p:nvSpPr>
+          <p:cNvPr id="8" name="TextBox 7">
+            <a:extLst>
+              <a:ext uri="{FF2B5EF4-FFF2-40B4-BE49-F238E27FC236}">
+                <a16:creationId xmlns:a16="http://schemas.microsoft.com/office/drawing/2014/main" id="{45102D1F-C1E1-357A-31A5-9FEA33ADD090}"/>
+              </a:ext>
+            </a:extLst>
+          </p:cNvPr>
+          <p:cNvSpPr txBox="1"/>
+          <p:nvPr/>
+        </p:nvSpPr>
+        <p:spPr>
+          <a:xfrm>
+            <a:off x="7076989" y="5305813"/>
+            <a:ext cx="4151451" cy="646331"/>
+          </a:xfrm>
+          <a:prstGeom prst="rect">
+            <a:avLst/>
+          </a:prstGeom>
+          <a:noFill/>
+        </p:spPr>
+        <p:txBody>
+          <a:bodyPr wrap="square" rtlCol="0">
+            <a:spAutoFit/>
+          </a:bodyPr>
+          <a:lstStyle/>
+          <a:p>
+            <a:r>
+              <a:rPr lang="en-US" dirty="0">
+                <a:latin typeface="Times New Roman" panose="02020603050405020304" pitchFamily="18" charset="0"/>
+                <a:cs typeface="Times New Roman" panose="02020603050405020304" pitchFamily="18" charset="0"/>
+              </a:rPr>
+              <a:t>The above chart highlights the ten restaurants with the highest average ratings</a:t>
+            </a:r>
+            <a:endParaRPr lang="en-IN" dirty="0">
+              <a:latin typeface="Times New Roman" panose="02020603050405020304" pitchFamily="18" charset="0"/>
+              <a:cs typeface="Times New Roman" panose="02020603050405020304" pitchFamily="18" charset="0"/>
+            </a:endParaRPr>
           </a:p>
         </p:txBody>
       </p:sp>
     </p:spTree>
     <p:extLst>
       <p:ext uri="{BB962C8B-B14F-4D97-AF65-F5344CB8AC3E}">
-        <p14:creationId xmlns:p14="http://schemas.microsoft.com/office/powerpoint/2010/main" val="630336217"/>
+        <p14:creationId xmlns:p14="http://schemas.microsoft.com/office/powerpoint/2010/main" val="1974242444"/>
       </p:ext>
     </p:extLst>
   </p:cSld>
